--- a/Documents/yourCalendar.pptx
+++ b/Documents/yourCalendar.pptx
@@ -8,9 +8,10 @@
     <p:sldId id="256" r:id="rId2"/>
     <p:sldId id="257" r:id="rId3"/>
     <p:sldId id="259" r:id="rId4"/>
-    <p:sldId id="258" r:id="rId5"/>
-    <p:sldId id="261" r:id="rId6"/>
-    <p:sldId id="262" r:id="rId7"/>
+    <p:sldId id="261" r:id="rId5"/>
+    <p:sldId id="263" r:id="rId6"/>
+    <p:sldId id="258" r:id="rId7"/>
+    <p:sldId id="262" r:id="rId8"/>
   </p:sldIdLst>
   <p:sldSz cx="12192000" cy="6858000"/>
   <p:notesSz cx="6858000" cy="9144000"/>
@@ -120,6 +121,7 @@
 <file path=ppt/revisionInfo.xml><?xml version="1.0" encoding="utf-8"?>
 <p1510:revInfo xmlns:a="http://schemas.openxmlformats.org/drawingml/2006/main" xmlns:r="http://schemas.openxmlformats.org/officeDocument/2006/relationships" xmlns:p1510="http://schemas.microsoft.com/office/powerpoint/2015/10/main">
   <p1510:revLst>
+    <p1510:client id="{A51A382F-3215-24E4-1830-158F04AA582B}" v="18" dt="2020-12-07T20:38:42.197"/>
     <p1510:client id="{AC22BB0F-69DB-4D8E-ACB1-C9A2D09EED8A}" v="906" dt="2020-12-07T20:21:58.179"/>
   </p1510:revLst>
 </p1510:revInfo>
@@ -840,6 +842,755 @@
   <dgm:styleLbl name="fgShp">
     <dgm:fillClrLst meth="repeat">
       <a:schemeClr val="accent1">
+        <a:tint val="60000"/>
+      </a:schemeClr>
+    </dgm:fillClrLst>
+    <dgm:linClrLst meth="repeat">
+      <a:schemeClr val="lt1"/>
+    </dgm:linClrLst>
+    <dgm:effectClrLst/>
+    <dgm:txLinClrLst/>
+    <dgm:txFillClrLst meth="repeat">
+      <a:schemeClr val="dk1"/>
+    </dgm:txFillClrLst>
+    <dgm:txEffectClrLst/>
+  </dgm:styleLbl>
+  <dgm:styleLbl name="revTx">
+    <dgm:fillClrLst meth="repeat">
+      <a:schemeClr val="lt1">
+        <a:alpha val="0"/>
+      </a:schemeClr>
+    </dgm:fillClrLst>
+    <dgm:linClrLst meth="repeat">
+      <a:schemeClr val="dk1">
+        <a:alpha val="0"/>
+      </a:schemeClr>
+    </dgm:linClrLst>
+    <dgm:effectClrLst/>
+    <dgm:txLinClrLst/>
+    <dgm:txFillClrLst meth="repeat">
+      <a:schemeClr val="tx1"/>
+    </dgm:txFillClrLst>
+    <dgm:txEffectClrLst/>
+  </dgm:styleLbl>
+</dgm:colorsDef>
+</file>
+
+<file path=ppt/diagrams/colors2.xml><?xml version="1.0" encoding="utf-8"?>
+<dgm:colorsDef xmlns:dgm="http://schemas.openxmlformats.org/drawingml/2006/diagram" xmlns:a="http://schemas.openxmlformats.org/drawingml/2006/main" uniqueId="urn:microsoft.com/office/officeart/2018/5/colors/Iconchunking_neutralbg_accent3_2">
+  <dgm:title val=""/>
+  <dgm:desc val=""/>
+  <dgm:catLst>
+    <dgm:cat type="accent3" pri="13200"/>
+  </dgm:catLst>
+  <dgm:styleLbl name="node0">
+    <dgm:fillClrLst meth="repeat">
+      <a:schemeClr val="accent3"/>
+    </dgm:fillClrLst>
+    <dgm:linClrLst meth="repeat">
+      <a:schemeClr val="lt1"/>
+    </dgm:linClrLst>
+    <dgm:effectClrLst/>
+    <dgm:txLinClrLst/>
+    <dgm:txFillClrLst/>
+    <dgm:txEffectClrLst/>
+  </dgm:styleLbl>
+  <dgm:styleLbl name="node1">
+    <dgm:fillClrLst meth="repeat">
+      <a:schemeClr val="accent3"/>
+    </dgm:fillClrLst>
+    <dgm:linClrLst meth="repeat">
+      <a:schemeClr val="lt1">
+        <a:alpha val="0"/>
+      </a:schemeClr>
+    </dgm:linClrLst>
+    <dgm:effectClrLst/>
+    <dgm:txLinClrLst/>
+    <dgm:txFillClrLst/>
+    <dgm:txEffectClrLst/>
+  </dgm:styleLbl>
+  <dgm:styleLbl name="alignNode1">
+    <dgm:fillClrLst meth="repeat">
+      <a:schemeClr val="accent3"/>
+    </dgm:fillClrLst>
+    <dgm:linClrLst meth="repeat">
+      <a:schemeClr val="accent3"/>
+    </dgm:linClrLst>
+    <dgm:effectClrLst/>
+    <dgm:txLinClrLst/>
+    <dgm:txFillClrLst/>
+    <dgm:txEffectClrLst/>
+  </dgm:styleLbl>
+  <dgm:styleLbl name="lnNode1">
+    <dgm:fillClrLst meth="repeat">
+      <a:schemeClr val="accent3"/>
+    </dgm:fillClrLst>
+    <dgm:linClrLst meth="repeat">
+      <a:schemeClr val="lt1"/>
+    </dgm:linClrLst>
+    <dgm:effectClrLst/>
+    <dgm:txLinClrLst/>
+    <dgm:txFillClrLst/>
+    <dgm:txEffectClrLst/>
+  </dgm:styleLbl>
+  <dgm:styleLbl name="vennNode1">
+    <dgm:fillClrLst meth="repeat">
+      <a:schemeClr val="accent3">
+        <a:alpha val="50000"/>
+      </a:schemeClr>
+    </dgm:fillClrLst>
+    <dgm:linClrLst meth="repeat">
+      <a:schemeClr val="lt1"/>
+    </dgm:linClrLst>
+    <dgm:effectClrLst/>
+    <dgm:txLinClrLst/>
+    <dgm:txFillClrLst/>
+    <dgm:txEffectClrLst/>
+  </dgm:styleLbl>
+  <dgm:styleLbl name="node2">
+    <dgm:fillClrLst meth="repeat">
+      <a:schemeClr val="accent3"/>
+    </dgm:fillClrLst>
+    <dgm:linClrLst meth="repeat">
+      <a:schemeClr val="lt1"/>
+    </dgm:linClrLst>
+    <dgm:effectClrLst/>
+    <dgm:txLinClrLst/>
+    <dgm:txFillClrLst/>
+    <dgm:txEffectClrLst/>
+  </dgm:styleLbl>
+  <dgm:styleLbl name="node3">
+    <dgm:fillClrLst meth="repeat">
+      <a:schemeClr val="accent3"/>
+    </dgm:fillClrLst>
+    <dgm:linClrLst meth="repeat">
+      <a:schemeClr val="lt1"/>
+    </dgm:linClrLst>
+    <dgm:effectClrLst/>
+    <dgm:txLinClrLst/>
+    <dgm:txFillClrLst/>
+    <dgm:txEffectClrLst/>
+  </dgm:styleLbl>
+  <dgm:styleLbl name="node4">
+    <dgm:fillClrLst meth="repeat">
+      <a:schemeClr val="accent3"/>
+    </dgm:fillClrLst>
+    <dgm:linClrLst meth="repeat">
+      <a:schemeClr val="lt1"/>
+    </dgm:linClrLst>
+    <dgm:effectClrLst/>
+    <dgm:txLinClrLst/>
+    <dgm:txFillClrLst/>
+    <dgm:txEffectClrLst/>
+  </dgm:styleLbl>
+  <dgm:styleLbl name="fgImgPlace1">
+    <dgm:fillClrLst meth="repeat">
+      <a:schemeClr val="accent3">
+        <a:tint val="50000"/>
+      </a:schemeClr>
+    </dgm:fillClrLst>
+    <dgm:linClrLst meth="repeat">
+      <a:schemeClr val="lt1"/>
+    </dgm:linClrLst>
+    <dgm:effectClrLst/>
+    <dgm:txLinClrLst/>
+    <dgm:txFillClrLst meth="repeat">
+      <a:schemeClr val="lt1"/>
+    </dgm:txFillClrLst>
+    <dgm:txEffectClrLst/>
+  </dgm:styleLbl>
+  <dgm:styleLbl name="alignImgPlace1">
+    <dgm:fillClrLst meth="repeat">
+      <a:schemeClr val="accent3">
+        <a:tint val="50000"/>
+      </a:schemeClr>
+    </dgm:fillClrLst>
+    <dgm:linClrLst meth="repeat">
+      <a:schemeClr val="lt1"/>
+    </dgm:linClrLst>
+    <dgm:effectClrLst/>
+    <dgm:txLinClrLst/>
+    <dgm:txFillClrLst meth="repeat">
+      <a:schemeClr val="lt1"/>
+    </dgm:txFillClrLst>
+    <dgm:txEffectClrLst/>
+  </dgm:styleLbl>
+  <dgm:styleLbl name="bgImgPlace1">
+    <dgm:fillClrLst meth="repeat">
+      <a:schemeClr val="accent3">
+        <a:tint val="50000"/>
+      </a:schemeClr>
+    </dgm:fillClrLst>
+    <dgm:linClrLst meth="repeat">
+      <a:schemeClr val="lt1"/>
+    </dgm:linClrLst>
+    <dgm:effectClrLst/>
+    <dgm:txLinClrLst/>
+    <dgm:txFillClrLst meth="repeat">
+      <a:schemeClr val="lt1"/>
+    </dgm:txFillClrLst>
+    <dgm:txEffectClrLst/>
+  </dgm:styleLbl>
+  <dgm:styleLbl name="sibTrans2D1">
+    <dgm:fillClrLst meth="repeat">
+      <a:schemeClr val="accent3">
+        <a:tint val="60000"/>
+      </a:schemeClr>
+    </dgm:fillClrLst>
+    <dgm:linClrLst meth="repeat">
+      <a:schemeClr val="accent3">
+        <a:tint val="60000"/>
+      </a:schemeClr>
+    </dgm:linClrLst>
+    <dgm:effectClrLst/>
+    <dgm:txLinClrLst/>
+    <dgm:txFillClrLst/>
+    <dgm:txEffectClrLst/>
+  </dgm:styleLbl>
+  <dgm:styleLbl name="fgSibTrans2D1">
+    <dgm:fillClrLst meth="repeat">
+      <a:schemeClr val="accent3">
+        <a:tint val="60000"/>
+      </a:schemeClr>
+    </dgm:fillClrLst>
+    <dgm:linClrLst meth="repeat">
+      <a:schemeClr val="accent3">
+        <a:tint val="60000"/>
+      </a:schemeClr>
+    </dgm:linClrLst>
+    <dgm:effectClrLst/>
+    <dgm:txLinClrLst/>
+    <dgm:txFillClrLst/>
+    <dgm:txEffectClrLst/>
+  </dgm:styleLbl>
+  <dgm:styleLbl name="bgSibTrans2D1">
+    <dgm:fillClrLst meth="repeat">
+      <a:schemeClr val="accent3">
+        <a:tint val="60000"/>
+      </a:schemeClr>
+    </dgm:fillClrLst>
+    <dgm:linClrLst meth="repeat">
+      <a:schemeClr val="accent3">
+        <a:tint val="60000"/>
+      </a:schemeClr>
+    </dgm:linClrLst>
+    <dgm:effectClrLst/>
+    <dgm:txLinClrLst/>
+    <dgm:txFillClrLst/>
+    <dgm:txEffectClrLst/>
+  </dgm:styleLbl>
+  <dgm:styleLbl name="sibTrans1D1">
+    <dgm:fillClrLst meth="repeat">
+      <a:schemeClr val="accent3"/>
+    </dgm:fillClrLst>
+    <dgm:linClrLst meth="repeat">
+      <a:schemeClr val="accent3"/>
+    </dgm:linClrLst>
+    <dgm:effectClrLst/>
+    <dgm:txLinClrLst/>
+    <dgm:txFillClrLst meth="repeat">
+      <a:schemeClr val="tx1"/>
+    </dgm:txFillClrLst>
+    <dgm:txEffectClrLst/>
+  </dgm:styleLbl>
+  <dgm:styleLbl name="callout">
+    <dgm:fillClrLst meth="repeat">
+      <a:schemeClr val="accent3"/>
+    </dgm:fillClrLst>
+    <dgm:linClrLst meth="repeat">
+      <a:schemeClr val="accent3">
+        <a:tint val="50000"/>
+      </a:schemeClr>
+    </dgm:linClrLst>
+    <dgm:effectClrLst/>
+    <dgm:txLinClrLst/>
+    <dgm:txFillClrLst meth="repeat">
+      <a:schemeClr val="tx1"/>
+    </dgm:txFillClrLst>
+    <dgm:txEffectClrLst/>
+  </dgm:styleLbl>
+  <dgm:styleLbl name="asst0">
+    <dgm:fillClrLst meth="repeat">
+      <a:schemeClr val="accent3"/>
+    </dgm:fillClrLst>
+    <dgm:linClrLst meth="repeat">
+      <a:schemeClr val="lt1"/>
+    </dgm:linClrLst>
+    <dgm:effectClrLst/>
+    <dgm:txLinClrLst/>
+    <dgm:txFillClrLst/>
+    <dgm:txEffectClrLst/>
+  </dgm:styleLbl>
+  <dgm:styleLbl name="asst1">
+    <dgm:fillClrLst meth="repeat">
+      <a:schemeClr val="accent3"/>
+    </dgm:fillClrLst>
+    <dgm:linClrLst meth="repeat">
+      <a:schemeClr val="lt1"/>
+    </dgm:linClrLst>
+    <dgm:effectClrLst/>
+    <dgm:txLinClrLst/>
+    <dgm:txFillClrLst/>
+    <dgm:txEffectClrLst/>
+  </dgm:styleLbl>
+  <dgm:styleLbl name="asst2">
+    <dgm:fillClrLst meth="repeat">
+      <a:schemeClr val="accent3"/>
+    </dgm:fillClrLst>
+    <dgm:linClrLst meth="repeat">
+      <a:schemeClr val="lt1"/>
+    </dgm:linClrLst>
+    <dgm:effectClrLst/>
+    <dgm:txLinClrLst/>
+    <dgm:txFillClrLst/>
+    <dgm:txEffectClrLst/>
+  </dgm:styleLbl>
+  <dgm:styleLbl name="asst3">
+    <dgm:fillClrLst meth="repeat">
+      <a:schemeClr val="accent3"/>
+    </dgm:fillClrLst>
+    <dgm:linClrLst meth="repeat">
+      <a:schemeClr val="lt1"/>
+    </dgm:linClrLst>
+    <dgm:effectClrLst/>
+    <dgm:txLinClrLst/>
+    <dgm:txFillClrLst/>
+    <dgm:txEffectClrLst/>
+  </dgm:styleLbl>
+  <dgm:styleLbl name="asst4">
+    <dgm:fillClrLst meth="repeat">
+      <a:schemeClr val="accent3"/>
+    </dgm:fillClrLst>
+    <dgm:linClrLst meth="repeat">
+      <a:schemeClr val="lt1"/>
+    </dgm:linClrLst>
+    <dgm:effectClrLst/>
+    <dgm:txLinClrLst/>
+    <dgm:txFillClrLst/>
+    <dgm:txEffectClrLst/>
+  </dgm:styleLbl>
+  <dgm:styleLbl name="parChTrans2D1">
+    <dgm:fillClrLst meth="repeat">
+      <a:schemeClr val="accent3">
+        <a:tint val="60000"/>
+      </a:schemeClr>
+    </dgm:fillClrLst>
+    <dgm:linClrLst meth="repeat">
+      <a:schemeClr val="accent3">
+        <a:tint val="60000"/>
+      </a:schemeClr>
+    </dgm:linClrLst>
+    <dgm:effectClrLst/>
+    <dgm:txLinClrLst/>
+    <dgm:txFillClrLst meth="repeat">
+      <a:schemeClr val="lt1"/>
+    </dgm:txFillClrLst>
+    <dgm:txEffectClrLst/>
+  </dgm:styleLbl>
+  <dgm:styleLbl name="parChTrans2D2">
+    <dgm:fillClrLst meth="repeat">
+      <a:schemeClr val="accent3"/>
+    </dgm:fillClrLst>
+    <dgm:linClrLst meth="repeat">
+      <a:schemeClr val="accent3"/>
+    </dgm:linClrLst>
+    <dgm:effectClrLst/>
+    <dgm:txLinClrLst/>
+    <dgm:txFillClrLst meth="repeat">
+      <a:schemeClr val="lt1"/>
+    </dgm:txFillClrLst>
+    <dgm:txEffectClrLst/>
+  </dgm:styleLbl>
+  <dgm:styleLbl name="parChTrans2D3">
+    <dgm:fillClrLst meth="repeat">
+      <a:schemeClr val="accent3"/>
+    </dgm:fillClrLst>
+    <dgm:linClrLst meth="repeat">
+      <a:schemeClr val="accent3"/>
+    </dgm:linClrLst>
+    <dgm:effectClrLst/>
+    <dgm:txLinClrLst/>
+    <dgm:txFillClrLst meth="repeat">
+      <a:schemeClr val="lt1"/>
+    </dgm:txFillClrLst>
+    <dgm:txEffectClrLst/>
+  </dgm:styleLbl>
+  <dgm:styleLbl name="parChTrans2D4">
+    <dgm:fillClrLst meth="repeat">
+      <a:schemeClr val="accent3"/>
+    </dgm:fillClrLst>
+    <dgm:linClrLst meth="repeat">
+      <a:schemeClr val="accent3"/>
+    </dgm:linClrLst>
+    <dgm:effectClrLst/>
+    <dgm:txLinClrLst/>
+    <dgm:txFillClrLst meth="repeat">
+      <a:schemeClr val="lt1"/>
+    </dgm:txFillClrLst>
+    <dgm:txEffectClrLst/>
+  </dgm:styleLbl>
+  <dgm:styleLbl name="parChTrans1D1">
+    <dgm:fillClrLst meth="repeat">
+      <a:schemeClr val="accent3"/>
+    </dgm:fillClrLst>
+    <dgm:linClrLst meth="repeat">
+      <a:schemeClr val="accent3">
+        <a:shade val="60000"/>
+      </a:schemeClr>
+    </dgm:linClrLst>
+    <dgm:effectClrLst/>
+    <dgm:txLinClrLst/>
+    <dgm:txFillClrLst meth="repeat">
+      <a:schemeClr val="tx1"/>
+    </dgm:txFillClrLst>
+    <dgm:txEffectClrLst/>
+  </dgm:styleLbl>
+  <dgm:styleLbl name="parChTrans1D2">
+    <dgm:fillClrLst meth="repeat">
+      <a:schemeClr val="accent3"/>
+    </dgm:fillClrLst>
+    <dgm:linClrLst meth="repeat">
+      <a:schemeClr val="accent3">
+        <a:shade val="60000"/>
+      </a:schemeClr>
+    </dgm:linClrLst>
+    <dgm:effectClrLst/>
+    <dgm:txLinClrLst/>
+    <dgm:txFillClrLst meth="repeat">
+      <a:schemeClr val="tx1"/>
+    </dgm:txFillClrLst>
+    <dgm:txEffectClrLst/>
+  </dgm:styleLbl>
+  <dgm:styleLbl name="parChTrans1D3">
+    <dgm:fillClrLst meth="repeat">
+      <a:schemeClr val="accent3"/>
+    </dgm:fillClrLst>
+    <dgm:linClrLst meth="repeat">
+      <a:schemeClr val="accent3">
+        <a:shade val="80000"/>
+      </a:schemeClr>
+    </dgm:linClrLst>
+    <dgm:effectClrLst/>
+    <dgm:txLinClrLst/>
+    <dgm:txFillClrLst meth="repeat">
+      <a:schemeClr val="tx1"/>
+    </dgm:txFillClrLst>
+    <dgm:txEffectClrLst/>
+  </dgm:styleLbl>
+  <dgm:styleLbl name="parChTrans1D4">
+    <dgm:fillClrLst meth="repeat">
+      <a:schemeClr val="accent3"/>
+    </dgm:fillClrLst>
+    <dgm:linClrLst meth="repeat">
+      <a:schemeClr val="accent3">
+        <a:shade val="80000"/>
+      </a:schemeClr>
+    </dgm:linClrLst>
+    <dgm:effectClrLst/>
+    <dgm:txLinClrLst/>
+    <dgm:txFillClrLst meth="repeat">
+      <a:schemeClr val="tx1"/>
+    </dgm:txFillClrLst>
+    <dgm:txEffectClrLst/>
+  </dgm:styleLbl>
+  <dgm:styleLbl name="fgAcc1">
+    <dgm:fillClrLst meth="repeat">
+      <a:schemeClr val="lt1">
+        <a:alpha val="90000"/>
+      </a:schemeClr>
+    </dgm:fillClrLst>
+    <dgm:linClrLst meth="repeat">
+      <a:schemeClr val="accent3"/>
+    </dgm:linClrLst>
+    <dgm:effectClrLst/>
+    <dgm:txLinClrLst/>
+    <dgm:txFillClrLst meth="repeat">
+      <a:schemeClr val="dk1"/>
+    </dgm:txFillClrLst>
+    <dgm:txEffectClrLst/>
+  </dgm:styleLbl>
+  <dgm:styleLbl name="conFgAcc1">
+    <dgm:fillClrLst meth="repeat">
+      <a:schemeClr val="lt1">
+        <a:alpha val="90000"/>
+      </a:schemeClr>
+    </dgm:fillClrLst>
+    <dgm:linClrLst meth="repeat">
+      <a:schemeClr val="accent3"/>
+    </dgm:linClrLst>
+    <dgm:effectClrLst/>
+    <dgm:txLinClrLst/>
+    <dgm:txFillClrLst meth="repeat">
+      <a:schemeClr val="dk1"/>
+    </dgm:txFillClrLst>
+    <dgm:txEffectClrLst/>
+  </dgm:styleLbl>
+  <dgm:styleLbl name="alignAcc1">
+    <dgm:fillClrLst meth="repeat">
+      <a:schemeClr val="lt1">
+        <a:alpha val="90000"/>
+      </a:schemeClr>
+    </dgm:fillClrLst>
+    <dgm:linClrLst meth="repeat">
+      <a:schemeClr val="accent3"/>
+    </dgm:linClrLst>
+    <dgm:effectClrLst/>
+    <dgm:txLinClrLst/>
+    <dgm:txFillClrLst meth="repeat">
+      <a:schemeClr val="dk1"/>
+    </dgm:txFillClrLst>
+    <dgm:txEffectClrLst/>
+  </dgm:styleLbl>
+  <dgm:styleLbl name="trAlignAcc1">
+    <dgm:fillClrLst meth="repeat">
+      <a:schemeClr val="lt1">
+        <a:alpha val="40000"/>
+      </a:schemeClr>
+    </dgm:fillClrLst>
+    <dgm:linClrLst meth="repeat">
+      <a:schemeClr val="accent3"/>
+    </dgm:linClrLst>
+    <dgm:effectClrLst/>
+    <dgm:txLinClrLst/>
+    <dgm:txFillClrLst meth="repeat">
+      <a:schemeClr val="dk1"/>
+    </dgm:txFillClrLst>
+    <dgm:txEffectClrLst/>
+  </dgm:styleLbl>
+  <dgm:styleLbl name="bgAcc1">
+    <dgm:fillClrLst meth="repeat">
+      <a:schemeClr val="lt1">
+        <a:alpha val="90000"/>
+      </a:schemeClr>
+    </dgm:fillClrLst>
+    <dgm:linClrLst meth="repeat">
+      <a:schemeClr val="accent3"/>
+    </dgm:linClrLst>
+    <dgm:effectClrLst/>
+    <dgm:txLinClrLst/>
+    <dgm:txFillClrLst meth="repeat">
+      <a:schemeClr val="dk1"/>
+    </dgm:txFillClrLst>
+    <dgm:txEffectClrLst/>
+  </dgm:styleLbl>
+  <dgm:styleLbl name="solidFgAcc1">
+    <dgm:fillClrLst meth="repeat">
+      <a:schemeClr val="lt1"/>
+    </dgm:fillClrLst>
+    <dgm:linClrLst meth="repeat">
+      <a:schemeClr val="accent3"/>
+    </dgm:linClrLst>
+    <dgm:effectClrLst/>
+    <dgm:txLinClrLst/>
+    <dgm:txFillClrLst meth="repeat">
+      <a:schemeClr val="dk1"/>
+    </dgm:txFillClrLst>
+    <dgm:txEffectClrLst/>
+  </dgm:styleLbl>
+  <dgm:styleLbl name="solidAlignAcc1">
+    <dgm:fillClrLst meth="repeat">
+      <a:schemeClr val="lt1"/>
+    </dgm:fillClrLst>
+    <dgm:linClrLst meth="repeat">
+      <a:schemeClr val="accent3"/>
+    </dgm:linClrLst>
+    <dgm:effectClrLst/>
+    <dgm:txLinClrLst/>
+    <dgm:txFillClrLst meth="repeat">
+      <a:schemeClr val="dk1"/>
+    </dgm:txFillClrLst>
+    <dgm:txEffectClrLst/>
+  </dgm:styleLbl>
+  <dgm:styleLbl name="solidBgAcc1">
+    <dgm:fillClrLst meth="repeat">
+      <a:schemeClr val="lt1"/>
+    </dgm:fillClrLst>
+    <dgm:linClrLst meth="repeat">
+      <a:schemeClr val="accent3"/>
+    </dgm:linClrLst>
+    <dgm:effectClrLst/>
+    <dgm:txLinClrLst/>
+    <dgm:txFillClrLst meth="repeat">
+      <a:schemeClr val="dk1"/>
+    </dgm:txFillClrLst>
+    <dgm:txEffectClrLst/>
+  </dgm:styleLbl>
+  <dgm:styleLbl name="fgAccFollowNode1">
+    <dgm:fillClrLst meth="repeat">
+      <a:schemeClr val="accent3">
+        <a:alpha val="90000"/>
+        <a:tint val="40000"/>
+      </a:schemeClr>
+    </dgm:fillClrLst>
+    <dgm:linClrLst meth="repeat">
+      <a:schemeClr val="accent3">
+        <a:alpha val="90000"/>
+        <a:tint val="40000"/>
+      </a:schemeClr>
+    </dgm:linClrLst>
+    <dgm:effectClrLst/>
+    <dgm:txLinClrLst/>
+    <dgm:txFillClrLst meth="repeat">
+      <a:schemeClr val="dk1"/>
+    </dgm:txFillClrLst>
+    <dgm:txEffectClrLst/>
+  </dgm:styleLbl>
+  <dgm:styleLbl name="alignAccFollowNode1">
+    <dgm:fillClrLst meth="repeat">
+      <a:schemeClr val="accent3">
+        <a:alpha val="90000"/>
+        <a:tint val="40000"/>
+      </a:schemeClr>
+    </dgm:fillClrLst>
+    <dgm:linClrLst meth="repeat">
+      <a:schemeClr val="accent3">
+        <a:alpha val="90000"/>
+        <a:tint val="40000"/>
+      </a:schemeClr>
+    </dgm:linClrLst>
+    <dgm:effectClrLst/>
+    <dgm:txLinClrLst/>
+    <dgm:txFillClrLst meth="repeat">
+      <a:schemeClr val="dk1"/>
+    </dgm:txFillClrLst>
+    <dgm:txEffectClrLst/>
+  </dgm:styleLbl>
+  <dgm:styleLbl name="bgAccFollowNode1">
+    <dgm:fillClrLst meth="repeat">
+      <a:schemeClr val="accent3">
+        <a:alpha val="90000"/>
+        <a:tint val="40000"/>
+      </a:schemeClr>
+    </dgm:fillClrLst>
+    <dgm:linClrLst meth="repeat">
+      <a:schemeClr val="accent3">
+        <a:alpha val="90000"/>
+        <a:tint val="40000"/>
+      </a:schemeClr>
+    </dgm:linClrLst>
+    <dgm:effectClrLst/>
+    <dgm:txLinClrLst/>
+    <dgm:txFillClrLst meth="repeat">
+      <a:schemeClr val="dk1"/>
+    </dgm:txFillClrLst>
+    <dgm:txEffectClrLst/>
+  </dgm:styleLbl>
+  <dgm:styleLbl name="fgAcc0">
+    <dgm:fillClrLst meth="repeat">
+      <a:schemeClr val="lt1">
+        <a:alpha val="90000"/>
+      </a:schemeClr>
+    </dgm:fillClrLst>
+    <dgm:linClrLst meth="repeat">
+      <a:schemeClr val="accent3"/>
+    </dgm:linClrLst>
+    <dgm:effectClrLst/>
+    <dgm:txLinClrLst/>
+    <dgm:txFillClrLst meth="repeat">
+      <a:schemeClr val="dk1"/>
+    </dgm:txFillClrLst>
+    <dgm:txEffectClrLst/>
+  </dgm:styleLbl>
+  <dgm:styleLbl name="fgAcc2">
+    <dgm:fillClrLst meth="repeat">
+      <a:schemeClr val="lt1">
+        <a:alpha val="90000"/>
+      </a:schemeClr>
+    </dgm:fillClrLst>
+    <dgm:linClrLst meth="repeat">
+      <a:schemeClr val="accent3"/>
+    </dgm:linClrLst>
+    <dgm:effectClrLst/>
+    <dgm:txLinClrLst/>
+    <dgm:txFillClrLst meth="repeat">
+      <a:schemeClr val="dk1"/>
+    </dgm:txFillClrLst>
+    <dgm:txEffectClrLst/>
+  </dgm:styleLbl>
+  <dgm:styleLbl name="fgAcc3">
+    <dgm:fillClrLst meth="repeat">
+      <a:schemeClr val="lt1">
+        <a:alpha val="90000"/>
+      </a:schemeClr>
+    </dgm:fillClrLst>
+    <dgm:linClrLst meth="repeat">
+      <a:schemeClr val="accent3"/>
+    </dgm:linClrLst>
+    <dgm:effectClrLst/>
+    <dgm:txLinClrLst/>
+    <dgm:txFillClrLst meth="repeat">
+      <a:schemeClr val="dk1"/>
+    </dgm:txFillClrLst>
+    <dgm:txEffectClrLst/>
+  </dgm:styleLbl>
+  <dgm:styleLbl name="fgAcc4">
+    <dgm:fillClrLst meth="repeat">
+      <a:schemeClr val="lt1">
+        <a:alpha val="90000"/>
+      </a:schemeClr>
+    </dgm:fillClrLst>
+    <dgm:linClrLst meth="repeat">
+      <a:schemeClr val="accent3"/>
+    </dgm:linClrLst>
+    <dgm:effectClrLst/>
+    <dgm:txLinClrLst/>
+    <dgm:txFillClrLst meth="repeat">
+      <a:schemeClr val="dk1"/>
+    </dgm:txFillClrLst>
+    <dgm:txEffectClrLst/>
+  </dgm:styleLbl>
+  <dgm:styleLbl name="bgShp">
+    <dgm:fillClrLst meth="repeat">
+      <a:schemeClr val="bg1">
+        <a:lumMod val="95000"/>
+      </a:schemeClr>
+    </dgm:fillClrLst>
+    <dgm:linClrLst meth="repeat">
+      <a:schemeClr val="accent3"/>
+    </dgm:linClrLst>
+    <dgm:effectClrLst/>
+    <dgm:txLinClrLst/>
+    <dgm:txFillClrLst meth="repeat">
+      <a:schemeClr val="dk1"/>
+    </dgm:txFillClrLst>
+    <dgm:txEffectClrLst/>
+  </dgm:styleLbl>
+  <dgm:styleLbl name="dkBgShp">
+    <dgm:fillClrLst meth="repeat">
+      <a:schemeClr val="accent3">
+        <a:shade val="80000"/>
+      </a:schemeClr>
+    </dgm:fillClrLst>
+    <dgm:linClrLst meth="repeat">
+      <a:schemeClr val="accent3"/>
+    </dgm:linClrLst>
+    <dgm:effectClrLst/>
+    <dgm:txLinClrLst/>
+    <dgm:txFillClrLst meth="repeat">
+      <a:schemeClr val="lt1"/>
+    </dgm:txFillClrLst>
+    <dgm:txEffectClrLst/>
+  </dgm:styleLbl>
+  <dgm:styleLbl name="trBgShp">
+    <dgm:fillClrLst meth="repeat">
+      <a:schemeClr val="accent3">
+        <a:tint val="50000"/>
+        <a:alpha val="40000"/>
+      </a:schemeClr>
+    </dgm:fillClrLst>
+    <dgm:linClrLst meth="repeat">
+      <a:schemeClr val="accent3"/>
+    </dgm:linClrLst>
+    <dgm:effectClrLst/>
+    <dgm:txLinClrLst/>
+    <dgm:txFillClrLst meth="repeat">
+      <a:schemeClr val="lt1"/>
+    </dgm:txFillClrLst>
+    <dgm:txEffectClrLst/>
+  </dgm:styleLbl>
+  <dgm:styleLbl name="fgShp">
+    <dgm:fillClrLst meth="repeat">
+      <a:schemeClr val="accent3">
         <a:tint val="60000"/>
       </a:schemeClr>
     </dgm:fillClrLst>
@@ -1408,6 +2159,127 @@
   <dgm:extLst>
     <a:ext uri="http://schemas.microsoft.com/office/drawing/2008/diagram">
       <dsp:dataModelExt xmlns:dsp="http://schemas.microsoft.com/office/drawing/2008/diagram" relId="rId6" minVer="http://schemas.openxmlformats.org/drawingml/2006/diagram"/>
+    </a:ext>
+  </dgm:extLst>
+</dgm:dataModel>
+</file>
+
+<file path=ppt/diagrams/data2.xml><?xml version="1.0" encoding="utf-8"?>
+<dgm:dataModel xmlns:dgm="http://schemas.openxmlformats.org/drawingml/2006/diagram" xmlns:a="http://schemas.openxmlformats.org/drawingml/2006/main">
+  <dgm:ptLst>
+    <dgm:pt modelId="{31131314-C63D-4A04-BBBA-80FCFCB27E43}" type="doc">
+      <dgm:prSet loTypeId="urn:microsoft.com/office/officeart/2018/2/layout/IconLabelList" loCatId="icon" qsTypeId="urn:microsoft.com/office/officeart/2005/8/quickstyle/simple1" qsCatId="simple" csTypeId="urn:microsoft.com/office/officeart/2018/5/colors/Iconchunking_neutralbg_accent3_2" csCatId="accent3" phldr="1"/>
+      <dgm:spPr/>
+      <dgm:t>
+        <a:bodyPr/>
+        <a:lstStyle/>
+        <a:p>
+          <a:endParaRPr lang="en-US"/>
+        </a:p>
+      </dgm:t>
+    </dgm:pt>
+    <dgm:pt modelId="{D295BEA7-C50C-4C88-8F35-BC9B42F89935}">
+      <dgm:prSet/>
+      <dgm:spPr/>
+      <dgm:t>
+        <a:bodyPr/>
+        <a:lstStyle/>
+        <a:p>
+          <a:endParaRPr lang="en-US"/>
+        </a:p>
+      </dgm:t>
+    </dgm:pt>
+    <dgm:pt modelId="{CD2CD057-2B0A-4D9E-9467-01625553B8B5}" type="parTrans" cxnId="{55AF91C6-8445-4C4F-9168-28AE5EF8231A}">
+      <dgm:prSet/>
+      <dgm:spPr/>
+      <dgm:t>
+        <a:bodyPr/>
+        <a:lstStyle/>
+        <a:p>
+          <a:endParaRPr lang="en-US"/>
+        </a:p>
+      </dgm:t>
+    </dgm:pt>
+    <dgm:pt modelId="{30E7BE4F-0988-4E43-9A07-B4C271346C6F}" type="sibTrans" cxnId="{55AF91C6-8445-4C4F-9168-28AE5EF8231A}">
+      <dgm:prSet/>
+      <dgm:spPr/>
+      <dgm:t>
+        <a:bodyPr/>
+        <a:lstStyle/>
+        <a:p>
+          <a:endParaRPr lang="en-US"/>
+        </a:p>
+      </dgm:t>
+    </dgm:pt>
+    <dgm:pt modelId="{DFBFA53D-98EB-48EF-AB48-DB86C179FB8B}" type="pres">
+      <dgm:prSet presAssocID="{31131314-C63D-4A04-BBBA-80FCFCB27E43}" presName="root" presStyleCnt="0">
+        <dgm:presLayoutVars>
+          <dgm:dir/>
+          <dgm:resizeHandles val="exact"/>
+        </dgm:presLayoutVars>
+      </dgm:prSet>
+      <dgm:spPr/>
+    </dgm:pt>
+    <dgm:pt modelId="{A2685EEB-A103-4882-B853-1A5F876E8E8C}" type="pres">
+      <dgm:prSet presAssocID="{D295BEA7-C50C-4C88-8F35-BC9B42F89935}" presName="compNode" presStyleCnt="0"/>
+      <dgm:spPr/>
+    </dgm:pt>
+    <dgm:pt modelId="{5D413F3C-1EC3-4CD0-B5AC-C35E4FD1F4AE}" type="pres">
+      <dgm:prSet presAssocID="{D295BEA7-C50C-4C88-8F35-BC9B42F89935}" presName="iconRect" presStyleLbl="node1" presStyleIdx="0" presStyleCnt="1"/>
+      <dgm:spPr>
+        <a:blipFill>
+          <a:blip xmlns:r="http://schemas.openxmlformats.org/officeDocument/2006/relationships" r:embed="rId1">
+            <a:extLst>
+              <a:ext uri="{28A0092B-C50C-407E-A947-70E740481C1C}">
+                <a14:useLocalDpi xmlns:a14="http://schemas.microsoft.com/office/drawing/2010/main" val="0"/>
+              </a:ext>
+              <a:ext uri="{96DAC541-7B7A-43D3-8B79-37D633B846F1}">
+                <asvg:svgBlip xmlns:asvg="http://schemas.microsoft.com/office/drawing/2016/SVG/main" r:embed="rId2"/>
+              </a:ext>
+            </a:extLst>
+          </a:blip>
+          <a:stretch>
+            <a:fillRect/>
+          </a:stretch>
+        </a:blipFill>
+        <a:ln>
+          <a:noFill/>
+        </a:ln>
+      </dgm:spPr>
+      <dgm:extLst>
+        <a:ext uri="{E40237B7-FDA0-4F09-8148-C483321AD2D9}">
+          <dgm14:cNvPr xmlns:dgm14="http://schemas.microsoft.com/office/drawing/2010/diagram" id="0" name="" descr="Database"/>
+        </a:ext>
+      </dgm:extLst>
+    </dgm:pt>
+    <dgm:pt modelId="{35F3E6C3-164B-4F0B-BDE8-B8EF5AFE6F1B}" type="pres">
+      <dgm:prSet presAssocID="{D295BEA7-C50C-4C88-8F35-BC9B42F89935}" presName="spaceRect" presStyleCnt="0"/>
+      <dgm:spPr/>
+    </dgm:pt>
+    <dgm:pt modelId="{0F65E7B5-5FB6-4408-B051-8ED37D11BC9E}" type="pres">
+      <dgm:prSet presAssocID="{D295BEA7-C50C-4C88-8F35-BC9B42F89935}" presName="textRect" presStyleLbl="revTx" presStyleIdx="0" presStyleCnt="1">
+        <dgm:presLayoutVars>
+          <dgm:chMax val="1"/>
+          <dgm:chPref val="1"/>
+        </dgm:presLayoutVars>
+      </dgm:prSet>
+      <dgm:spPr/>
+    </dgm:pt>
+  </dgm:ptLst>
+  <dgm:cxnLst>
+    <dgm:cxn modelId="{89873F8C-949A-459B-8C18-1DE48201B7F6}" type="presOf" srcId="{31131314-C63D-4A04-BBBA-80FCFCB27E43}" destId="{DFBFA53D-98EB-48EF-AB48-DB86C179FB8B}" srcOrd="0" destOrd="0" presId="urn:microsoft.com/office/officeart/2018/2/layout/IconLabelList"/>
+    <dgm:cxn modelId="{55AF91C6-8445-4C4F-9168-28AE5EF8231A}" srcId="{31131314-C63D-4A04-BBBA-80FCFCB27E43}" destId="{D295BEA7-C50C-4C88-8F35-BC9B42F89935}" srcOrd="0" destOrd="0" parTransId="{CD2CD057-2B0A-4D9E-9467-01625553B8B5}" sibTransId="{30E7BE4F-0988-4E43-9A07-B4C271346C6F}"/>
+    <dgm:cxn modelId="{53BEF9DC-39F3-4BA2-AC51-2F30D69D2E9B}" type="presOf" srcId="{D295BEA7-C50C-4C88-8F35-BC9B42F89935}" destId="{0F65E7B5-5FB6-4408-B051-8ED37D11BC9E}" srcOrd="0" destOrd="0" presId="urn:microsoft.com/office/officeart/2018/2/layout/IconLabelList"/>
+    <dgm:cxn modelId="{84A31EFF-0466-4688-AC9F-58E8219E1514}" type="presParOf" srcId="{DFBFA53D-98EB-48EF-AB48-DB86C179FB8B}" destId="{A2685EEB-A103-4882-B853-1A5F876E8E8C}" srcOrd="0" destOrd="0" presId="urn:microsoft.com/office/officeart/2018/2/layout/IconLabelList"/>
+    <dgm:cxn modelId="{D5E9A18F-D0C3-40BF-8FA7-60A05727FB35}" type="presParOf" srcId="{A2685EEB-A103-4882-B853-1A5F876E8E8C}" destId="{5D413F3C-1EC3-4CD0-B5AC-C35E4FD1F4AE}" srcOrd="0" destOrd="0" presId="urn:microsoft.com/office/officeart/2018/2/layout/IconLabelList"/>
+    <dgm:cxn modelId="{3020A638-6562-4AE6-989A-F688E5145A6F}" type="presParOf" srcId="{A2685EEB-A103-4882-B853-1A5F876E8E8C}" destId="{35F3E6C3-164B-4F0B-BDE8-B8EF5AFE6F1B}" srcOrd="1" destOrd="0" presId="urn:microsoft.com/office/officeart/2018/2/layout/IconLabelList"/>
+    <dgm:cxn modelId="{EEA6282A-A8A5-40E2-870B-539B378201B3}" type="presParOf" srcId="{A2685EEB-A103-4882-B853-1A5F876E8E8C}" destId="{0F65E7B5-5FB6-4408-B051-8ED37D11BC9E}" srcOrd="2" destOrd="0" presId="urn:microsoft.com/office/officeart/2018/2/layout/IconLabelList"/>
+  </dgm:cxnLst>
+  <dgm:bg/>
+  <dgm:whole/>
+  <dgm:extLst>
+    <a:ext uri="http://schemas.microsoft.com/office/drawing/2008/diagram">
+      <dsp:dataModelExt xmlns:dsp="http://schemas.microsoft.com/office/drawing/2008/diagram" relId="rId7" minVer="http://schemas.openxmlformats.org/drawingml/2006/diagram"/>
     </a:ext>
   </dgm:extLst>
 </dgm:dataModel>
@@ -1997,6 +2869,125 @@
 </dsp:drawing>
 </file>
 
+<file path=ppt/diagrams/drawing2.xml><?xml version="1.0" encoding="utf-8"?>
+<dsp:drawing xmlns:dgm="http://schemas.openxmlformats.org/drawingml/2006/diagram" xmlns:dsp="http://schemas.microsoft.com/office/drawing/2008/diagram" xmlns:a="http://schemas.openxmlformats.org/drawingml/2006/main">
+  <dsp:spTree>
+    <dsp:nvGrpSpPr>
+      <dsp:cNvPr id="0" name=""/>
+      <dsp:cNvGrpSpPr/>
+    </dsp:nvGrpSpPr>
+    <dsp:grpSpPr/>
+    <dsp:sp modelId="{5D413F3C-1EC3-4CD0-B5AC-C35E4FD1F4AE}">
+      <dsp:nvSpPr>
+        <dsp:cNvPr id="0" name=""/>
+        <dsp:cNvSpPr/>
+      </dsp:nvSpPr>
+      <dsp:spPr>
+        <a:xfrm>
+          <a:off x="987949" y="349116"/>
+          <a:ext cx="1589625" cy="1589625"/>
+        </a:xfrm>
+        <a:prstGeom prst="rect">
+          <a:avLst/>
+        </a:prstGeom>
+        <a:blipFill>
+          <a:blip xmlns:r="http://schemas.openxmlformats.org/officeDocument/2006/relationships" r:embed="rId1">
+            <a:extLst>
+              <a:ext uri="{28A0092B-C50C-407E-A947-70E740481C1C}">
+                <a14:useLocalDpi xmlns:a14="http://schemas.microsoft.com/office/drawing/2010/main" val="0"/>
+              </a:ext>
+              <a:ext uri="{96DAC541-7B7A-43D3-8B79-37D633B846F1}">
+                <asvg:svgBlip xmlns:asvg="http://schemas.microsoft.com/office/drawing/2016/SVG/main" r:embed="rId2"/>
+              </a:ext>
+            </a:extLst>
+          </a:blip>
+          <a:stretch>
+            <a:fillRect/>
+          </a:stretch>
+        </a:blipFill>
+        <a:ln w="12700" cap="flat" cmpd="sng" algn="ctr">
+          <a:noFill/>
+          <a:prstDash val="solid"/>
+          <a:miter lim="800000"/>
+        </a:ln>
+        <a:effectLst/>
+      </dsp:spPr>
+      <dsp:style>
+        <a:lnRef idx="2">
+          <a:scrgbClr r="0" g="0" b="0"/>
+        </a:lnRef>
+        <a:fillRef idx="1">
+          <a:scrgbClr r="0" g="0" b="0"/>
+        </a:fillRef>
+        <a:effectRef idx="0">
+          <a:scrgbClr r="0" g="0" b="0"/>
+        </a:effectRef>
+        <a:fontRef idx="minor">
+          <a:schemeClr val="lt1"/>
+        </a:fontRef>
+      </dsp:style>
+    </dsp:sp>
+    <dsp:sp modelId="{0F65E7B5-5FB6-4408-B051-8ED37D11BC9E}">
+      <dsp:nvSpPr>
+        <dsp:cNvPr id="0" name=""/>
+        <dsp:cNvSpPr/>
+      </dsp:nvSpPr>
+      <dsp:spPr>
+        <a:xfrm>
+          <a:off x="16512" y="2346402"/>
+          <a:ext cx="3532500" cy="720000"/>
+        </a:xfrm>
+        <a:prstGeom prst="rect">
+          <a:avLst/>
+        </a:prstGeom>
+        <a:noFill/>
+        <a:ln>
+          <a:noFill/>
+        </a:ln>
+        <a:effectLst/>
+      </dsp:spPr>
+      <dsp:style>
+        <a:lnRef idx="0">
+          <a:scrgbClr r="0" g="0" b="0"/>
+        </a:lnRef>
+        <a:fillRef idx="0">
+          <a:scrgbClr r="0" g="0" b="0"/>
+        </a:fillRef>
+        <a:effectRef idx="0">
+          <a:scrgbClr r="0" g="0" b="0"/>
+        </a:effectRef>
+        <a:fontRef idx="minor"/>
+      </dsp:style>
+      <dsp:txBody>
+        <a:bodyPr spcFirstLastPara="0" vert="horz" wrap="square" lIns="0" tIns="0" rIns="0" bIns="0" numCol="1" spcCol="1270" anchor="t" anchorCtr="0">
+          <a:noAutofit/>
+        </a:bodyPr>
+        <a:lstStyle/>
+        <a:p>
+          <a:pPr marL="0" lvl="0" indent="0" algn="ctr" defTabSz="2222500">
+            <a:lnSpc>
+              <a:spcPct val="90000"/>
+            </a:lnSpc>
+            <a:spcBef>
+              <a:spcPct val="0"/>
+            </a:spcBef>
+            <a:spcAft>
+              <a:spcPct val="35000"/>
+            </a:spcAft>
+            <a:buNone/>
+          </a:pPr>
+          <a:endParaRPr lang="en-US" sz="5000" kern="1200"/>
+        </a:p>
+      </dsp:txBody>
+      <dsp:txXfrm>
+        <a:off x="16512" y="2346402"/>
+        <a:ext cx="3532500" cy="720000"/>
+      </dsp:txXfrm>
+    </dsp:sp>
+  </dsp:spTree>
+</dsp:drawing>
+</file>
+
 <file path=ppt/diagrams/layout1.xml><?xml version="1.0" encoding="utf-8"?>
 <dgm:layoutDef xmlns:dgm="http://schemas.openxmlformats.org/drawingml/2006/diagram" xmlns:a="http://schemas.openxmlformats.org/drawingml/2006/main" uniqueId="urn:microsoft.com/office/officeart/2018/2/layout/IconLabelList">
   <dgm:title val="Icon Label List"/>
@@ -2187,7 +3178,1231 @@
 </dgm:layoutDef>
 </file>
 
+<file path=ppt/diagrams/layout2.xml><?xml version="1.0" encoding="utf-8"?>
+<dgm:layoutDef xmlns:dgm="http://schemas.openxmlformats.org/drawingml/2006/diagram" xmlns:a="http://schemas.openxmlformats.org/drawingml/2006/main" uniqueId="urn:microsoft.com/office/officeart/2018/2/layout/IconLabelList">
+  <dgm:title val="Icon Label List"/>
+  <dgm:desc val="Use to show non-sequential or grouped chunks of information accompanied by a related visuals. Works best with icons or small pictures with short text captions."/>
+  <dgm:catLst>
+    <dgm:cat type="icon" pri="500"/>
+  </dgm:catLst>
+  <dgm:sampData useDef="1">
+    <dgm:dataModel>
+      <dgm:ptLst/>
+      <dgm:bg/>
+      <dgm:whole/>
+    </dgm:dataModel>
+  </dgm:sampData>
+  <dgm:styleData useDef="1">
+    <dgm:dataModel>
+      <dgm:ptLst/>
+      <dgm:bg/>
+      <dgm:whole/>
+    </dgm:dataModel>
+  </dgm:styleData>
+  <dgm:clrData useDef="1">
+    <dgm:dataModel>
+      <dgm:ptLst/>
+      <dgm:bg/>
+      <dgm:whole/>
+    </dgm:dataModel>
+  </dgm:clrData>
+  <dgm:layoutNode name="root">
+    <dgm:varLst>
+      <dgm:dir/>
+      <dgm:resizeHandles val="exact"/>
+    </dgm:varLst>
+    <dgm:choose name="Name0">
+      <dgm:if name="Name1" axis="self" func="var" arg="dir" op="equ" val="norm">
+        <dgm:alg type="snake">
+          <dgm:param type="grDir" val="tL"/>
+          <dgm:param type="flowDir" val="row"/>
+          <dgm:param type="contDir" val="sameDir"/>
+          <dgm:param type="off" val="ctr"/>
+          <dgm:param type="vertAlign" val="mid"/>
+          <dgm:param type="horzAlign" val="ctr"/>
+        </dgm:alg>
+      </dgm:if>
+      <dgm:else name="Name2">
+        <dgm:alg type="snake">
+          <dgm:param type="grDir" val="tR"/>
+          <dgm:param type="flowDir" val="row"/>
+          <dgm:param type="contDir" val="sameDir"/>
+          <dgm:param type="off" val="ctr"/>
+          <dgm:param type="vertAlign" val="mid"/>
+          <dgm:param type="horzAlign" val="ctr"/>
+        </dgm:alg>
+      </dgm:else>
+    </dgm:choose>
+    <dgm:shape xmlns:r="http://schemas.openxmlformats.org/officeDocument/2006/relationships" r:blip="">
+      <dgm:adjLst/>
+    </dgm:shape>
+    <dgm:presOf/>
+    <dgm:choose name="Name3">
+      <dgm:if name="Name4" axis="ch" ptType="node" func="cnt" op="lte" val="2">
+        <dgm:constrLst>
+          <dgm:constr type="h" for="ch" forName="compNode" refType="h" fact="0.4"/>
+          <dgm:constr type="w" for="ch" forName="compNode" val="120"/>
+          <dgm:constr type="w" for="ch" forName="sibTrans" refType="w" refFor="ch" refForName="compNode" fact="0.175"/>
+          <dgm:constr type="sp" refType="w" refFor="ch" refForName="compNode" op="equ" fact="0.25"/>
+          <dgm:constr type="primFontSz" for="des" ptType="node" op="equ" val="50"/>
+          <dgm:constr type="h" for="des" forName="compNode" op="equ"/>
+          <dgm:constr type="h" for="des" forName="textRect" op="equ"/>
+        </dgm:constrLst>
+      </dgm:if>
+      <dgm:if name="Name5" axis="ch" ptType="node" func="cnt" op="lte" val="4">
+        <dgm:constrLst>
+          <dgm:constr type="h" for="ch" forName="compNode" refType="h" fact="0.4"/>
+          <dgm:constr type="w" for="ch" forName="compNode" refType="w"/>
+          <dgm:constr type="w" for="ch" forName="sibTrans" refType="w" refFor="ch" refForName="compNode" fact="0.175"/>
+          <dgm:constr type="sp" refType="w" refFor="ch" refForName="compNode" op="equ" fact="0.25"/>
+          <dgm:constr type="primFontSz" for="des" ptType="node" op="equ" val="36"/>
+          <dgm:constr type="h" for="des" forName="compNode" op="equ"/>
+          <dgm:constr type="h" for="des" forName="textRect" op="equ"/>
+        </dgm:constrLst>
+      </dgm:if>
+      <dgm:else name="Name6">
+        <dgm:constrLst>
+          <dgm:constr type="h" for="ch" forName="compNode" refType="h" fact="0.4"/>
+          <dgm:constr type="w" for="ch" forName="compNode" refType="w"/>
+          <dgm:constr type="w" for="ch" forName="sibTrans" refType="w" refFor="ch" refForName="compNode" fact="0.175"/>
+          <dgm:constr type="sp" refType="w" refFor="ch" refForName="compNode" op="equ" fact="0.25"/>
+          <dgm:constr type="primFontSz" for="des" ptType="node" op="equ" val="24"/>
+          <dgm:constr type="h" for="des" forName="compNode" op="equ"/>
+          <dgm:constr type="h" for="des" forName="textRect" op="equ"/>
+        </dgm:constrLst>
+      </dgm:else>
+    </dgm:choose>
+    <dgm:ruleLst>
+      <dgm:rule type="w" for="ch" forName="compNode" val="50" fact="NaN" max="NaN"/>
+    </dgm:ruleLst>
+    <dgm:forEach name="Name7" axis="ch" ptType="node">
+      <dgm:layoutNode name="compNode">
+        <dgm:alg type="composite"/>
+        <dgm:shape xmlns:r="http://schemas.openxmlformats.org/officeDocument/2006/relationships" r:blip="">
+          <dgm:adjLst/>
+        </dgm:shape>
+        <dgm:presOf axis="self"/>
+        <dgm:constrLst>
+          <dgm:constr type="w" for="ch" forName="iconRect" refType="w" fact="0.45"/>
+          <dgm:constr type="h" for="ch" forName="iconRect" refType="w" refFor="ch" refForName="iconRect"/>
+          <dgm:constr type="ctrX" for="ch" forName="iconRect" refType="w" fact="0.5"/>
+          <dgm:constr type="t" for="ch" forName="iconRect"/>
+          <dgm:constr type="h" for="ch" forName="spaceRect" refType="h" fact="0.15"/>
+          <dgm:constr type="w" for="ch" forName="spaceRect" refType="w"/>
+          <dgm:constr type="l" for="ch" forName="spaceRect"/>
+          <dgm:constr type="t" for="ch" forName="spaceRect" refType="b" refFor="ch" refForName="iconRect"/>
+          <dgm:constr type="h" for="ch" forName="textRect" val="20"/>
+          <dgm:constr type="w" for="ch" forName="textRect" refType="w"/>
+          <dgm:constr type="l" for="ch" forName="textRect"/>
+          <dgm:constr type="t" for="ch" forName="textRect" refType="b" refFor="ch" refForName="spaceRect"/>
+        </dgm:constrLst>
+        <dgm:ruleLst>
+          <dgm:rule type="h" val="INF" fact="NaN" max="NaN"/>
+        </dgm:ruleLst>
+        <dgm:layoutNode name="iconRect" styleLbl="node1">
+          <dgm:alg type="sp"/>
+          <dgm:shape xmlns:r="http://schemas.openxmlformats.org/officeDocument/2006/relationships" type="rect" r:blip="" blipPhldr="1">
+            <dgm:adjLst/>
+          </dgm:shape>
+          <dgm:presOf/>
+          <dgm:constrLst/>
+          <dgm:ruleLst/>
+        </dgm:layoutNode>
+        <dgm:layoutNode name="spaceRect">
+          <dgm:alg type="sp"/>
+          <dgm:shape xmlns:r="http://schemas.openxmlformats.org/officeDocument/2006/relationships" r:blip="">
+            <dgm:adjLst/>
+          </dgm:shape>
+          <dgm:presOf/>
+          <dgm:constrLst/>
+          <dgm:ruleLst/>
+        </dgm:layoutNode>
+        <dgm:layoutNode name="textRect" styleLbl="revTx">
+          <dgm:varLst>
+            <dgm:chMax val="1"/>
+            <dgm:chPref val="1"/>
+          </dgm:varLst>
+          <dgm:alg type="tx">
+            <dgm:param type="txAnchorVert" val="t"/>
+          </dgm:alg>
+          <dgm:shape xmlns:r="http://schemas.openxmlformats.org/officeDocument/2006/relationships" type="rect" r:blip="">
+            <dgm:adjLst/>
+          </dgm:shape>
+          <dgm:presOf axis="self" ptType="node"/>
+          <dgm:constrLst>
+            <dgm:constr type="lMarg"/>
+            <dgm:constr type="rMarg"/>
+            <dgm:constr type="tMarg"/>
+            <dgm:constr type="bMarg"/>
+          </dgm:constrLst>
+          <dgm:ruleLst>
+            <dgm:rule type="primFontSz" val="11" fact="NaN" max="NaN"/>
+            <dgm:rule type="h" val="INF" fact="NaN" max="NaN"/>
+          </dgm:ruleLst>
+        </dgm:layoutNode>
+      </dgm:layoutNode>
+      <dgm:forEach name="Name8" axis="followSib" ptType="sibTrans" cnt="1">
+        <dgm:layoutNode name="sibTrans">
+          <dgm:alg type="sp"/>
+          <dgm:shape xmlns:r="http://schemas.openxmlformats.org/officeDocument/2006/relationships" r:blip="">
+            <dgm:adjLst/>
+          </dgm:shape>
+          <dgm:presOf axis="self"/>
+          <dgm:constrLst/>
+          <dgm:ruleLst/>
+        </dgm:layoutNode>
+      </dgm:forEach>
+    </dgm:forEach>
+  </dgm:layoutNode>
+  <dgm:extLst>
+    <a:ext uri="{68A01E43-0DF5-4B5B-8FA6-DAF915123BFB}">
+      <dgm1612:lstStyle xmlns:dgm1612="http://schemas.microsoft.com/office/drawing/2016/12/diagram">
+        <a:lvl1pPr>
+          <a:lnSpc>
+            <a:spcPct val="100000"/>
+          </a:lnSpc>
+        </a:lvl1pPr>
+      </dgm1612:lstStyle>
+    </a:ext>
+  </dgm:extLst>
+</dgm:layoutDef>
+</file>
+
 <file path=ppt/diagrams/quickStyle1.xml><?xml version="1.0" encoding="utf-8"?>
+<dgm:styleDef xmlns:dgm="http://schemas.openxmlformats.org/drawingml/2006/diagram" xmlns:a="http://schemas.openxmlformats.org/drawingml/2006/main" uniqueId="urn:microsoft.com/office/officeart/2005/8/quickstyle/simple1">
+  <dgm:title val=""/>
+  <dgm:desc val=""/>
+  <dgm:catLst>
+    <dgm:cat type="simple" pri="10100"/>
+  </dgm:catLst>
+  <dgm:scene3d>
+    <a:camera prst="orthographicFront"/>
+    <a:lightRig rig="threePt" dir="t"/>
+  </dgm:scene3d>
+  <dgm:styleLbl name="node0">
+    <dgm:scene3d>
+      <a:camera prst="orthographicFront"/>
+      <a:lightRig rig="threePt" dir="t"/>
+    </dgm:scene3d>
+    <dgm:sp3d/>
+    <dgm:txPr/>
+    <dgm:style>
+      <a:lnRef idx="2">
+        <a:scrgbClr r="0" g="0" b="0"/>
+      </a:lnRef>
+      <a:fillRef idx="1">
+        <a:scrgbClr r="0" g="0" b="0"/>
+      </a:fillRef>
+      <a:effectRef idx="0">
+        <a:scrgbClr r="0" g="0" b="0"/>
+      </a:effectRef>
+      <a:fontRef idx="minor">
+        <a:schemeClr val="lt1"/>
+      </a:fontRef>
+    </dgm:style>
+  </dgm:styleLbl>
+  <dgm:styleLbl name="lnNode1">
+    <dgm:scene3d>
+      <a:camera prst="orthographicFront"/>
+      <a:lightRig rig="threePt" dir="t"/>
+    </dgm:scene3d>
+    <dgm:sp3d/>
+    <dgm:txPr/>
+    <dgm:style>
+      <a:lnRef idx="2">
+        <a:scrgbClr r="0" g="0" b="0"/>
+      </a:lnRef>
+      <a:fillRef idx="1">
+        <a:scrgbClr r="0" g="0" b="0"/>
+      </a:fillRef>
+      <a:effectRef idx="0">
+        <a:scrgbClr r="0" g="0" b="0"/>
+      </a:effectRef>
+      <a:fontRef idx="minor">
+        <a:schemeClr val="lt1"/>
+      </a:fontRef>
+    </dgm:style>
+  </dgm:styleLbl>
+  <dgm:styleLbl name="vennNode1">
+    <dgm:scene3d>
+      <a:camera prst="orthographicFront"/>
+      <a:lightRig rig="threePt" dir="t"/>
+    </dgm:scene3d>
+    <dgm:sp3d/>
+    <dgm:txPr/>
+    <dgm:style>
+      <a:lnRef idx="2">
+        <a:scrgbClr r="0" g="0" b="0"/>
+      </a:lnRef>
+      <a:fillRef idx="1">
+        <a:scrgbClr r="0" g="0" b="0"/>
+      </a:fillRef>
+      <a:effectRef idx="0">
+        <a:scrgbClr r="0" g="0" b="0"/>
+      </a:effectRef>
+      <a:fontRef idx="minor">
+        <a:schemeClr val="tx1"/>
+      </a:fontRef>
+    </dgm:style>
+  </dgm:styleLbl>
+  <dgm:styleLbl name="alignNode1">
+    <dgm:scene3d>
+      <a:camera prst="orthographicFront"/>
+      <a:lightRig rig="threePt" dir="t"/>
+    </dgm:scene3d>
+    <dgm:sp3d/>
+    <dgm:txPr/>
+    <dgm:style>
+      <a:lnRef idx="2">
+        <a:scrgbClr r="0" g="0" b="0"/>
+      </a:lnRef>
+      <a:fillRef idx="1">
+        <a:scrgbClr r="0" g="0" b="0"/>
+      </a:fillRef>
+      <a:effectRef idx="0">
+        <a:scrgbClr r="0" g="0" b="0"/>
+      </a:effectRef>
+      <a:fontRef idx="minor">
+        <a:schemeClr val="lt1"/>
+      </a:fontRef>
+    </dgm:style>
+  </dgm:styleLbl>
+  <dgm:styleLbl name="node1">
+    <dgm:scene3d>
+      <a:camera prst="orthographicFront"/>
+      <a:lightRig rig="threePt" dir="t"/>
+    </dgm:scene3d>
+    <dgm:sp3d/>
+    <dgm:txPr/>
+    <dgm:style>
+      <a:lnRef idx="2">
+        <a:scrgbClr r="0" g="0" b="0"/>
+      </a:lnRef>
+      <a:fillRef idx="1">
+        <a:scrgbClr r="0" g="0" b="0"/>
+      </a:fillRef>
+      <a:effectRef idx="0">
+        <a:scrgbClr r="0" g="0" b="0"/>
+      </a:effectRef>
+      <a:fontRef idx="minor">
+        <a:schemeClr val="lt1"/>
+      </a:fontRef>
+    </dgm:style>
+  </dgm:styleLbl>
+  <dgm:styleLbl name="node2">
+    <dgm:scene3d>
+      <a:camera prst="orthographicFront"/>
+      <a:lightRig rig="threePt" dir="t"/>
+    </dgm:scene3d>
+    <dgm:sp3d/>
+    <dgm:txPr/>
+    <dgm:style>
+      <a:lnRef idx="2">
+        <a:scrgbClr r="0" g="0" b="0"/>
+      </a:lnRef>
+      <a:fillRef idx="1">
+        <a:scrgbClr r="0" g="0" b="0"/>
+      </a:fillRef>
+      <a:effectRef idx="0">
+        <a:scrgbClr r="0" g="0" b="0"/>
+      </a:effectRef>
+      <a:fontRef idx="minor">
+        <a:schemeClr val="lt1"/>
+      </a:fontRef>
+    </dgm:style>
+  </dgm:styleLbl>
+  <dgm:styleLbl name="node3">
+    <dgm:scene3d>
+      <a:camera prst="orthographicFront"/>
+      <a:lightRig rig="threePt" dir="t"/>
+    </dgm:scene3d>
+    <dgm:sp3d/>
+    <dgm:txPr/>
+    <dgm:style>
+      <a:lnRef idx="2">
+        <a:scrgbClr r="0" g="0" b="0"/>
+      </a:lnRef>
+      <a:fillRef idx="1">
+        <a:scrgbClr r="0" g="0" b="0"/>
+      </a:fillRef>
+      <a:effectRef idx="0">
+        <a:scrgbClr r="0" g="0" b="0"/>
+      </a:effectRef>
+      <a:fontRef idx="minor">
+        <a:schemeClr val="lt1"/>
+      </a:fontRef>
+    </dgm:style>
+  </dgm:styleLbl>
+  <dgm:styleLbl name="node4">
+    <dgm:scene3d>
+      <a:camera prst="orthographicFront"/>
+      <a:lightRig rig="threePt" dir="t"/>
+    </dgm:scene3d>
+    <dgm:sp3d/>
+    <dgm:txPr/>
+    <dgm:style>
+      <a:lnRef idx="2">
+        <a:scrgbClr r="0" g="0" b="0"/>
+      </a:lnRef>
+      <a:fillRef idx="1">
+        <a:scrgbClr r="0" g="0" b="0"/>
+      </a:fillRef>
+      <a:effectRef idx="0">
+        <a:scrgbClr r="0" g="0" b="0"/>
+      </a:effectRef>
+      <a:fontRef idx="minor">
+        <a:schemeClr val="lt1"/>
+      </a:fontRef>
+    </dgm:style>
+  </dgm:styleLbl>
+  <dgm:styleLbl name="fgImgPlace1">
+    <dgm:scene3d>
+      <a:camera prst="orthographicFront"/>
+      <a:lightRig rig="threePt" dir="t"/>
+    </dgm:scene3d>
+    <dgm:sp3d/>
+    <dgm:txPr/>
+    <dgm:style>
+      <a:lnRef idx="2">
+        <a:scrgbClr r="0" g="0" b="0"/>
+      </a:lnRef>
+      <a:fillRef idx="1">
+        <a:scrgbClr r="0" g="0" b="0"/>
+      </a:fillRef>
+      <a:effectRef idx="0">
+        <a:scrgbClr r="0" g="0" b="0"/>
+      </a:effectRef>
+      <a:fontRef idx="minor"/>
+    </dgm:style>
+  </dgm:styleLbl>
+  <dgm:styleLbl name="alignImgPlace1">
+    <dgm:scene3d>
+      <a:camera prst="orthographicFront"/>
+      <a:lightRig rig="threePt" dir="t"/>
+    </dgm:scene3d>
+    <dgm:sp3d/>
+    <dgm:txPr/>
+    <dgm:style>
+      <a:lnRef idx="2">
+        <a:scrgbClr r="0" g="0" b="0"/>
+      </a:lnRef>
+      <a:fillRef idx="1">
+        <a:scrgbClr r="0" g="0" b="0"/>
+      </a:fillRef>
+      <a:effectRef idx="0">
+        <a:scrgbClr r="0" g="0" b="0"/>
+      </a:effectRef>
+      <a:fontRef idx="minor"/>
+    </dgm:style>
+  </dgm:styleLbl>
+  <dgm:styleLbl name="bgImgPlace1">
+    <dgm:scene3d>
+      <a:camera prst="orthographicFront"/>
+      <a:lightRig rig="threePt" dir="t"/>
+    </dgm:scene3d>
+    <dgm:sp3d/>
+    <dgm:txPr/>
+    <dgm:style>
+      <a:lnRef idx="2">
+        <a:scrgbClr r="0" g="0" b="0"/>
+      </a:lnRef>
+      <a:fillRef idx="1">
+        <a:scrgbClr r="0" g="0" b="0"/>
+      </a:fillRef>
+      <a:effectRef idx="0">
+        <a:scrgbClr r="0" g="0" b="0"/>
+      </a:effectRef>
+      <a:fontRef idx="minor"/>
+    </dgm:style>
+  </dgm:styleLbl>
+  <dgm:styleLbl name="sibTrans2D1">
+    <dgm:scene3d>
+      <a:camera prst="orthographicFront"/>
+      <a:lightRig rig="threePt" dir="t"/>
+    </dgm:scene3d>
+    <dgm:sp3d/>
+    <dgm:txPr/>
+    <dgm:style>
+      <a:lnRef idx="0">
+        <a:scrgbClr r="0" g="0" b="0"/>
+      </a:lnRef>
+      <a:fillRef idx="1">
+        <a:scrgbClr r="0" g="0" b="0"/>
+      </a:fillRef>
+      <a:effectRef idx="0">
+        <a:scrgbClr r="0" g="0" b="0"/>
+      </a:effectRef>
+      <a:fontRef idx="minor">
+        <a:schemeClr val="lt1"/>
+      </a:fontRef>
+    </dgm:style>
+  </dgm:styleLbl>
+  <dgm:styleLbl name="fgSibTrans2D1">
+    <dgm:scene3d>
+      <a:camera prst="orthographicFront"/>
+      <a:lightRig rig="threePt" dir="t"/>
+    </dgm:scene3d>
+    <dgm:sp3d/>
+    <dgm:txPr/>
+    <dgm:style>
+      <a:lnRef idx="0">
+        <a:scrgbClr r="0" g="0" b="0"/>
+      </a:lnRef>
+      <a:fillRef idx="1">
+        <a:scrgbClr r="0" g="0" b="0"/>
+      </a:fillRef>
+      <a:effectRef idx="0">
+        <a:scrgbClr r="0" g="0" b="0"/>
+      </a:effectRef>
+      <a:fontRef idx="minor">
+        <a:schemeClr val="lt1"/>
+      </a:fontRef>
+    </dgm:style>
+  </dgm:styleLbl>
+  <dgm:styleLbl name="bgSibTrans2D1">
+    <dgm:scene3d>
+      <a:camera prst="orthographicFront"/>
+      <a:lightRig rig="threePt" dir="t"/>
+    </dgm:scene3d>
+    <dgm:sp3d/>
+    <dgm:txPr/>
+    <dgm:style>
+      <a:lnRef idx="0">
+        <a:scrgbClr r="0" g="0" b="0"/>
+      </a:lnRef>
+      <a:fillRef idx="1">
+        <a:scrgbClr r="0" g="0" b="0"/>
+      </a:fillRef>
+      <a:effectRef idx="0">
+        <a:scrgbClr r="0" g="0" b="0"/>
+      </a:effectRef>
+      <a:fontRef idx="minor">
+        <a:schemeClr val="lt1"/>
+      </a:fontRef>
+    </dgm:style>
+  </dgm:styleLbl>
+  <dgm:styleLbl name="sibTrans1D1">
+    <dgm:scene3d>
+      <a:camera prst="orthographicFront"/>
+      <a:lightRig rig="threePt" dir="t"/>
+    </dgm:scene3d>
+    <dgm:sp3d/>
+    <dgm:txPr/>
+    <dgm:style>
+      <a:lnRef idx="1">
+        <a:scrgbClr r="0" g="0" b="0"/>
+      </a:lnRef>
+      <a:fillRef idx="0">
+        <a:scrgbClr r="0" g="0" b="0"/>
+      </a:fillRef>
+      <a:effectRef idx="0">
+        <a:scrgbClr r="0" g="0" b="0"/>
+      </a:effectRef>
+      <a:fontRef idx="minor"/>
+    </dgm:style>
+  </dgm:styleLbl>
+  <dgm:styleLbl name="callout">
+    <dgm:scene3d>
+      <a:camera prst="orthographicFront"/>
+      <a:lightRig rig="threePt" dir="t"/>
+    </dgm:scene3d>
+    <dgm:sp3d/>
+    <dgm:txPr/>
+    <dgm:style>
+      <a:lnRef idx="2">
+        <a:scrgbClr r="0" g="0" b="0"/>
+      </a:lnRef>
+      <a:fillRef idx="1">
+        <a:scrgbClr r="0" g="0" b="0"/>
+      </a:fillRef>
+      <a:effectRef idx="0">
+        <a:scrgbClr r="0" g="0" b="0"/>
+      </a:effectRef>
+      <a:fontRef idx="minor"/>
+    </dgm:style>
+  </dgm:styleLbl>
+  <dgm:styleLbl name="asst0">
+    <dgm:scene3d>
+      <a:camera prst="orthographicFront"/>
+      <a:lightRig rig="threePt" dir="t"/>
+    </dgm:scene3d>
+    <dgm:sp3d/>
+    <dgm:txPr/>
+    <dgm:style>
+      <a:lnRef idx="2">
+        <a:scrgbClr r="0" g="0" b="0"/>
+      </a:lnRef>
+      <a:fillRef idx="1">
+        <a:scrgbClr r="0" g="0" b="0"/>
+      </a:fillRef>
+      <a:effectRef idx="0">
+        <a:scrgbClr r="0" g="0" b="0"/>
+      </a:effectRef>
+      <a:fontRef idx="minor">
+        <a:schemeClr val="lt1"/>
+      </a:fontRef>
+    </dgm:style>
+  </dgm:styleLbl>
+  <dgm:styleLbl name="asst1">
+    <dgm:scene3d>
+      <a:camera prst="orthographicFront"/>
+      <a:lightRig rig="threePt" dir="t"/>
+    </dgm:scene3d>
+    <dgm:sp3d/>
+    <dgm:txPr/>
+    <dgm:style>
+      <a:lnRef idx="2">
+        <a:scrgbClr r="0" g="0" b="0"/>
+      </a:lnRef>
+      <a:fillRef idx="1">
+        <a:scrgbClr r="0" g="0" b="0"/>
+      </a:fillRef>
+      <a:effectRef idx="0">
+        <a:scrgbClr r="0" g="0" b="0"/>
+      </a:effectRef>
+      <a:fontRef idx="minor">
+        <a:schemeClr val="lt1"/>
+      </a:fontRef>
+    </dgm:style>
+  </dgm:styleLbl>
+  <dgm:styleLbl name="asst2">
+    <dgm:scene3d>
+      <a:camera prst="orthographicFront"/>
+      <a:lightRig rig="threePt" dir="t"/>
+    </dgm:scene3d>
+    <dgm:sp3d/>
+    <dgm:txPr/>
+    <dgm:style>
+      <a:lnRef idx="2">
+        <a:scrgbClr r="0" g="0" b="0"/>
+      </a:lnRef>
+      <a:fillRef idx="1">
+        <a:scrgbClr r="0" g="0" b="0"/>
+      </a:fillRef>
+      <a:effectRef idx="0">
+        <a:scrgbClr r="0" g="0" b="0"/>
+      </a:effectRef>
+      <a:fontRef idx="minor">
+        <a:schemeClr val="lt1"/>
+      </a:fontRef>
+    </dgm:style>
+  </dgm:styleLbl>
+  <dgm:styleLbl name="asst3">
+    <dgm:scene3d>
+      <a:camera prst="orthographicFront"/>
+      <a:lightRig rig="threePt" dir="t"/>
+    </dgm:scene3d>
+    <dgm:sp3d/>
+    <dgm:txPr/>
+    <dgm:style>
+      <a:lnRef idx="2">
+        <a:scrgbClr r="0" g="0" b="0"/>
+      </a:lnRef>
+      <a:fillRef idx="1">
+        <a:scrgbClr r="0" g="0" b="0"/>
+      </a:fillRef>
+      <a:effectRef idx="0">
+        <a:scrgbClr r="0" g="0" b="0"/>
+      </a:effectRef>
+      <a:fontRef idx="minor">
+        <a:schemeClr val="lt1"/>
+      </a:fontRef>
+    </dgm:style>
+  </dgm:styleLbl>
+  <dgm:styleLbl name="asst4">
+    <dgm:scene3d>
+      <a:camera prst="orthographicFront"/>
+      <a:lightRig rig="threePt" dir="t"/>
+    </dgm:scene3d>
+    <dgm:sp3d/>
+    <dgm:txPr/>
+    <dgm:style>
+      <a:lnRef idx="2">
+        <a:scrgbClr r="0" g="0" b="0"/>
+      </a:lnRef>
+      <a:fillRef idx="1">
+        <a:scrgbClr r="0" g="0" b="0"/>
+      </a:fillRef>
+      <a:effectRef idx="0">
+        <a:scrgbClr r="0" g="0" b="0"/>
+      </a:effectRef>
+      <a:fontRef idx="minor">
+        <a:schemeClr val="lt1"/>
+      </a:fontRef>
+    </dgm:style>
+  </dgm:styleLbl>
+  <dgm:styleLbl name="parChTrans2D1">
+    <dgm:scene3d>
+      <a:camera prst="orthographicFront"/>
+      <a:lightRig rig="threePt" dir="t"/>
+    </dgm:scene3d>
+    <dgm:sp3d/>
+    <dgm:txPr/>
+    <dgm:style>
+      <a:lnRef idx="2">
+        <a:scrgbClr r="0" g="0" b="0"/>
+      </a:lnRef>
+      <a:fillRef idx="1">
+        <a:scrgbClr r="0" g="0" b="0"/>
+      </a:fillRef>
+      <a:effectRef idx="0">
+        <a:scrgbClr r="0" g="0" b="0"/>
+      </a:effectRef>
+      <a:fontRef idx="minor">
+        <a:schemeClr val="lt1"/>
+      </a:fontRef>
+    </dgm:style>
+  </dgm:styleLbl>
+  <dgm:styleLbl name="parChTrans2D2">
+    <dgm:scene3d>
+      <a:camera prst="orthographicFront"/>
+      <a:lightRig rig="threePt" dir="t"/>
+    </dgm:scene3d>
+    <dgm:sp3d/>
+    <dgm:txPr/>
+    <dgm:style>
+      <a:lnRef idx="2">
+        <a:scrgbClr r="0" g="0" b="0"/>
+      </a:lnRef>
+      <a:fillRef idx="1">
+        <a:scrgbClr r="0" g="0" b="0"/>
+      </a:fillRef>
+      <a:effectRef idx="0">
+        <a:scrgbClr r="0" g="0" b="0"/>
+      </a:effectRef>
+      <a:fontRef idx="minor">
+        <a:schemeClr val="lt1"/>
+      </a:fontRef>
+    </dgm:style>
+  </dgm:styleLbl>
+  <dgm:styleLbl name="parChTrans2D3">
+    <dgm:scene3d>
+      <a:camera prst="orthographicFront"/>
+      <a:lightRig rig="threePt" dir="t"/>
+    </dgm:scene3d>
+    <dgm:sp3d/>
+    <dgm:txPr/>
+    <dgm:style>
+      <a:lnRef idx="2">
+        <a:scrgbClr r="0" g="0" b="0"/>
+      </a:lnRef>
+      <a:fillRef idx="1">
+        <a:scrgbClr r="0" g="0" b="0"/>
+      </a:fillRef>
+      <a:effectRef idx="0">
+        <a:scrgbClr r="0" g="0" b="0"/>
+      </a:effectRef>
+      <a:fontRef idx="minor">
+        <a:schemeClr val="lt1"/>
+      </a:fontRef>
+    </dgm:style>
+  </dgm:styleLbl>
+  <dgm:styleLbl name="parChTrans2D4">
+    <dgm:scene3d>
+      <a:camera prst="orthographicFront"/>
+      <a:lightRig rig="threePt" dir="t"/>
+    </dgm:scene3d>
+    <dgm:sp3d/>
+    <dgm:txPr/>
+    <dgm:style>
+      <a:lnRef idx="2">
+        <a:scrgbClr r="0" g="0" b="0"/>
+      </a:lnRef>
+      <a:fillRef idx="1">
+        <a:scrgbClr r="0" g="0" b="0"/>
+      </a:fillRef>
+      <a:effectRef idx="0">
+        <a:scrgbClr r="0" g="0" b="0"/>
+      </a:effectRef>
+      <a:fontRef idx="minor">
+        <a:schemeClr val="lt1"/>
+      </a:fontRef>
+    </dgm:style>
+  </dgm:styleLbl>
+  <dgm:styleLbl name="parChTrans1D1">
+    <dgm:scene3d>
+      <a:camera prst="orthographicFront"/>
+      <a:lightRig rig="threePt" dir="t"/>
+    </dgm:scene3d>
+    <dgm:sp3d/>
+    <dgm:txPr/>
+    <dgm:style>
+      <a:lnRef idx="2">
+        <a:scrgbClr r="0" g="0" b="0"/>
+      </a:lnRef>
+      <a:fillRef idx="0">
+        <a:scrgbClr r="0" g="0" b="0"/>
+      </a:fillRef>
+      <a:effectRef idx="0">
+        <a:scrgbClr r="0" g="0" b="0"/>
+      </a:effectRef>
+      <a:fontRef idx="minor"/>
+    </dgm:style>
+  </dgm:styleLbl>
+  <dgm:styleLbl name="parChTrans1D2">
+    <dgm:scene3d>
+      <a:camera prst="orthographicFront"/>
+      <a:lightRig rig="threePt" dir="t"/>
+    </dgm:scene3d>
+    <dgm:sp3d/>
+    <dgm:txPr/>
+    <dgm:style>
+      <a:lnRef idx="2">
+        <a:scrgbClr r="0" g="0" b="0"/>
+      </a:lnRef>
+      <a:fillRef idx="0">
+        <a:scrgbClr r="0" g="0" b="0"/>
+      </a:fillRef>
+      <a:effectRef idx="0">
+        <a:scrgbClr r="0" g="0" b="0"/>
+      </a:effectRef>
+      <a:fontRef idx="minor"/>
+    </dgm:style>
+  </dgm:styleLbl>
+  <dgm:styleLbl name="parChTrans1D3">
+    <dgm:scene3d>
+      <a:camera prst="orthographicFront"/>
+      <a:lightRig rig="threePt" dir="t"/>
+    </dgm:scene3d>
+    <dgm:sp3d/>
+    <dgm:txPr/>
+    <dgm:style>
+      <a:lnRef idx="2">
+        <a:scrgbClr r="0" g="0" b="0"/>
+      </a:lnRef>
+      <a:fillRef idx="0">
+        <a:scrgbClr r="0" g="0" b="0"/>
+      </a:fillRef>
+      <a:effectRef idx="0">
+        <a:scrgbClr r="0" g="0" b="0"/>
+      </a:effectRef>
+      <a:fontRef idx="minor"/>
+    </dgm:style>
+  </dgm:styleLbl>
+  <dgm:styleLbl name="parChTrans1D4">
+    <dgm:scene3d>
+      <a:camera prst="orthographicFront"/>
+      <a:lightRig rig="threePt" dir="t"/>
+    </dgm:scene3d>
+    <dgm:sp3d/>
+    <dgm:txPr/>
+    <dgm:style>
+      <a:lnRef idx="2">
+        <a:scrgbClr r="0" g="0" b="0"/>
+      </a:lnRef>
+      <a:fillRef idx="0">
+        <a:scrgbClr r="0" g="0" b="0"/>
+      </a:fillRef>
+      <a:effectRef idx="0">
+        <a:scrgbClr r="0" g="0" b="0"/>
+      </a:effectRef>
+      <a:fontRef idx="minor"/>
+    </dgm:style>
+  </dgm:styleLbl>
+  <dgm:styleLbl name="fgAcc1">
+    <dgm:scene3d>
+      <a:camera prst="orthographicFront"/>
+      <a:lightRig rig="threePt" dir="t"/>
+    </dgm:scene3d>
+    <dgm:sp3d/>
+    <dgm:txPr/>
+    <dgm:style>
+      <a:lnRef idx="2">
+        <a:scrgbClr r="0" g="0" b="0"/>
+      </a:lnRef>
+      <a:fillRef idx="1">
+        <a:scrgbClr r="0" g="0" b="0"/>
+      </a:fillRef>
+      <a:effectRef idx="0">
+        <a:scrgbClr r="0" g="0" b="0"/>
+      </a:effectRef>
+      <a:fontRef idx="minor"/>
+    </dgm:style>
+  </dgm:styleLbl>
+  <dgm:styleLbl name="conFgAcc1">
+    <dgm:scene3d>
+      <a:camera prst="orthographicFront"/>
+      <a:lightRig rig="threePt" dir="t"/>
+    </dgm:scene3d>
+    <dgm:sp3d/>
+    <dgm:txPr/>
+    <dgm:style>
+      <a:lnRef idx="2">
+        <a:scrgbClr r="0" g="0" b="0"/>
+      </a:lnRef>
+      <a:fillRef idx="1">
+        <a:scrgbClr r="0" g="0" b="0"/>
+      </a:fillRef>
+      <a:effectRef idx="0">
+        <a:scrgbClr r="0" g="0" b="0"/>
+      </a:effectRef>
+      <a:fontRef idx="minor"/>
+    </dgm:style>
+  </dgm:styleLbl>
+  <dgm:styleLbl name="alignAcc1">
+    <dgm:scene3d>
+      <a:camera prst="orthographicFront"/>
+      <a:lightRig rig="threePt" dir="t"/>
+    </dgm:scene3d>
+    <dgm:sp3d/>
+    <dgm:txPr/>
+    <dgm:style>
+      <a:lnRef idx="2">
+        <a:scrgbClr r="0" g="0" b="0"/>
+      </a:lnRef>
+      <a:fillRef idx="1">
+        <a:scrgbClr r="0" g="0" b="0"/>
+      </a:fillRef>
+      <a:effectRef idx="0">
+        <a:scrgbClr r="0" g="0" b="0"/>
+      </a:effectRef>
+      <a:fontRef idx="minor"/>
+    </dgm:style>
+  </dgm:styleLbl>
+  <dgm:styleLbl name="trAlignAcc1">
+    <dgm:scene3d>
+      <a:camera prst="orthographicFront"/>
+      <a:lightRig rig="threePt" dir="t"/>
+    </dgm:scene3d>
+    <dgm:sp3d/>
+    <dgm:txPr/>
+    <dgm:style>
+      <a:lnRef idx="1">
+        <a:scrgbClr r="0" g="0" b="0"/>
+      </a:lnRef>
+      <a:fillRef idx="1">
+        <a:scrgbClr r="0" g="0" b="0"/>
+      </a:fillRef>
+      <a:effectRef idx="0">
+        <a:scrgbClr r="0" g="0" b="0"/>
+      </a:effectRef>
+      <a:fontRef idx="minor"/>
+    </dgm:style>
+  </dgm:styleLbl>
+  <dgm:styleLbl name="bgAcc1">
+    <dgm:scene3d>
+      <a:camera prst="orthographicFront"/>
+      <a:lightRig rig="threePt" dir="t"/>
+    </dgm:scene3d>
+    <dgm:sp3d/>
+    <dgm:txPr/>
+    <dgm:style>
+      <a:lnRef idx="2">
+        <a:scrgbClr r="0" g="0" b="0"/>
+      </a:lnRef>
+      <a:fillRef idx="1">
+        <a:scrgbClr r="0" g="0" b="0"/>
+      </a:fillRef>
+      <a:effectRef idx="0">
+        <a:scrgbClr r="0" g="0" b="0"/>
+      </a:effectRef>
+      <a:fontRef idx="minor"/>
+    </dgm:style>
+  </dgm:styleLbl>
+  <dgm:styleLbl name="solidFgAcc1">
+    <dgm:scene3d>
+      <a:camera prst="orthographicFront"/>
+      <a:lightRig rig="threePt" dir="t"/>
+    </dgm:scene3d>
+    <dgm:sp3d/>
+    <dgm:txPr/>
+    <dgm:style>
+      <a:lnRef idx="2">
+        <a:scrgbClr r="0" g="0" b="0"/>
+      </a:lnRef>
+      <a:fillRef idx="1">
+        <a:scrgbClr r="0" g="0" b="0"/>
+      </a:fillRef>
+      <a:effectRef idx="0">
+        <a:scrgbClr r="0" g="0" b="0"/>
+      </a:effectRef>
+      <a:fontRef idx="minor"/>
+    </dgm:style>
+  </dgm:styleLbl>
+  <dgm:styleLbl name="solidAlignAcc1">
+    <dgm:scene3d>
+      <a:camera prst="orthographicFront"/>
+      <a:lightRig rig="threePt" dir="t"/>
+    </dgm:scene3d>
+    <dgm:sp3d/>
+    <dgm:txPr/>
+    <dgm:style>
+      <a:lnRef idx="2">
+        <a:scrgbClr r="0" g="0" b="0"/>
+      </a:lnRef>
+      <a:fillRef idx="1">
+        <a:scrgbClr r="0" g="0" b="0"/>
+      </a:fillRef>
+      <a:effectRef idx="0">
+        <a:scrgbClr r="0" g="0" b="0"/>
+      </a:effectRef>
+      <a:fontRef idx="minor"/>
+    </dgm:style>
+  </dgm:styleLbl>
+  <dgm:styleLbl name="solidBgAcc1">
+    <dgm:scene3d>
+      <a:camera prst="orthographicFront"/>
+      <a:lightRig rig="threePt" dir="t"/>
+    </dgm:scene3d>
+    <dgm:sp3d/>
+    <dgm:txPr/>
+    <dgm:style>
+      <a:lnRef idx="2">
+        <a:scrgbClr r="0" g="0" b="0"/>
+      </a:lnRef>
+      <a:fillRef idx="1">
+        <a:scrgbClr r="0" g="0" b="0"/>
+      </a:fillRef>
+      <a:effectRef idx="0">
+        <a:scrgbClr r="0" g="0" b="0"/>
+      </a:effectRef>
+      <a:fontRef idx="minor"/>
+    </dgm:style>
+  </dgm:styleLbl>
+  <dgm:styleLbl name="fgAccFollowNode1">
+    <dgm:scene3d>
+      <a:camera prst="orthographicFront"/>
+      <a:lightRig rig="threePt" dir="t"/>
+    </dgm:scene3d>
+    <dgm:sp3d/>
+    <dgm:txPr/>
+    <dgm:style>
+      <a:lnRef idx="2">
+        <a:scrgbClr r="0" g="0" b="0"/>
+      </a:lnRef>
+      <a:fillRef idx="1">
+        <a:scrgbClr r="0" g="0" b="0"/>
+      </a:fillRef>
+      <a:effectRef idx="0">
+        <a:scrgbClr r="0" g="0" b="0"/>
+      </a:effectRef>
+      <a:fontRef idx="minor"/>
+    </dgm:style>
+  </dgm:styleLbl>
+  <dgm:styleLbl name="alignAccFollowNode1">
+    <dgm:scene3d>
+      <a:camera prst="orthographicFront"/>
+      <a:lightRig rig="threePt" dir="t"/>
+    </dgm:scene3d>
+    <dgm:sp3d/>
+    <dgm:txPr/>
+    <dgm:style>
+      <a:lnRef idx="2">
+        <a:scrgbClr r="0" g="0" b="0"/>
+      </a:lnRef>
+      <a:fillRef idx="1">
+        <a:scrgbClr r="0" g="0" b="0"/>
+      </a:fillRef>
+      <a:effectRef idx="0">
+        <a:scrgbClr r="0" g="0" b="0"/>
+      </a:effectRef>
+      <a:fontRef idx="minor"/>
+    </dgm:style>
+  </dgm:styleLbl>
+  <dgm:styleLbl name="bgAccFollowNode1">
+    <dgm:scene3d>
+      <a:camera prst="orthographicFront"/>
+      <a:lightRig rig="threePt" dir="t"/>
+    </dgm:scene3d>
+    <dgm:sp3d/>
+    <dgm:txPr/>
+    <dgm:style>
+      <a:lnRef idx="2">
+        <a:scrgbClr r="0" g="0" b="0"/>
+      </a:lnRef>
+      <a:fillRef idx="1">
+        <a:scrgbClr r="0" g="0" b="0"/>
+      </a:fillRef>
+      <a:effectRef idx="0">
+        <a:scrgbClr r="0" g="0" b="0"/>
+      </a:effectRef>
+      <a:fontRef idx="minor"/>
+    </dgm:style>
+  </dgm:styleLbl>
+  <dgm:styleLbl name="fgAcc0">
+    <dgm:scene3d>
+      <a:camera prst="orthographicFront"/>
+      <a:lightRig rig="threePt" dir="t"/>
+    </dgm:scene3d>
+    <dgm:sp3d/>
+    <dgm:txPr/>
+    <dgm:style>
+      <a:lnRef idx="2">
+        <a:scrgbClr r="0" g="0" b="0"/>
+      </a:lnRef>
+      <a:fillRef idx="1">
+        <a:scrgbClr r="0" g="0" b="0"/>
+      </a:fillRef>
+      <a:effectRef idx="0">
+        <a:scrgbClr r="0" g="0" b="0"/>
+      </a:effectRef>
+      <a:fontRef idx="minor"/>
+    </dgm:style>
+  </dgm:styleLbl>
+  <dgm:styleLbl name="fgAcc2">
+    <dgm:scene3d>
+      <a:camera prst="orthographicFront"/>
+      <a:lightRig rig="threePt" dir="t"/>
+    </dgm:scene3d>
+    <dgm:sp3d/>
+    <dgm:txPr/>
+    <dgm:style>
+      <a:lnRef idx="2">
+        <a:scrgbClr r="0" g="0" b="0"/>
+      </a:lnRef>
+      <a:fillRef idx="1">
+        <a:scrgbClr r="0" g="0" b="0"/>
+      </a:fillRef>
+      <a:effectRef idx="0">
+        <a:scrgbClr r="0" g="0" b="0"/>
+      </a:effectRef>
+      <a:fontRef idx="minor"/>
+    </dgm:style>
+  </dgm:styleLbl>
+  <dgm:styleLbl name="fgAcc3">
+    <dgm:scene3d>
+      <a:camera prst="orthographicFront"/>
+      <a:lightRig rig="threePt" dir="t"/>
+    </dgm:scene3d>
+    <dgm:sp3d/>
+    <dgm:txPr/>
+    <dgm:style>
+      <a:lnRef idx="2">
+        <a:scrgbClr r="0" g="0" b="0"/>
+      </a:lnRef>
+      <a:fillRef idx="1">
+        <a:scrgbClr r="0" g="0" b="0"/>
+      </a:fillRef>
+      <a:effectRef idx="0">
+        <a:scrgbClr r="0" g="0" b="0"/>
+      </a:effectRef>
+      <a:fontRef idx="minor"/>
+    </dgm:style>
+  </dgm:styleLbl>
+  <dgm:styleLbl name="fgAcc4">
+    <dgm:scene3d>
+      <a:camera prst="orthographicFront"/>
+      <a:lightRig rig="threePt" dir="t"/>
+    </dgm:scene3d>
+    <dgm:sp3d/>
+    <dgm:txPr/>
+    <dgm:style>
+      <a:lnRef idx="2">
+        <a:scrgbClr r="0" g="0" b="0"/>
+      </a:lnRef>
+      <a:fillRef idx="1">
+        <a:scrgbClr r="0" g="0" b="0"/>
+      </a:fillRef>
+      <a:effectRef idx="0">
+        <a:scrgbClr r="0" g="0" b="0"/>
+      </a:effectRef>
+      <a:fontRef idx="minor"/>
+    </dgm:style>
+  </dgm:styleLbl>
+  <dgm:styleLbl name="bgShp">
+    <dgm:scene3d>
+      <a:camera prst="orthographicFront"/>
+      <a:lightRig rig="threePt" dir="t"/>
+    </dgm:scene3d>
+    <dgm:sp3d/>
+    <dgm:txPr/>
+    <dgm:style>
+      <a:lnRef idx="0">
+        <a:scrgbClr r="0" g="0" b="0"/>
+      </a:lnRef>
+      <a:fillRef idx="1">
+        <a:scrgbClr r="0" g="0" b="0"/>
+      </a:fillRef>
+      <a:effectRef idx="0">
+        <a:scrgbClr r="0" g="0" b="0"/>
+      </a:effectRef>
+      <a:fontRef idx="minor"/>
+    </dgm:style>
+  </dgm:styleLbl>
+  <dgm:styleLbl name="dkBgShp">
+    <dgm:scene3d>
+      <a:camera prst="orthographicFront"/>
+      <a:lightRig rig="threePt" dir="t"/>
+    </dgm:scene3d>
+    <dgm:sp3d/>
+    <dgm:txPr/>
+    <dgm:style>
+      <a:lnRef idx="0">
+        <a:scrgbClr r="0" g="0" b="0"/>
+      </a:lnRef>
+      <a:fillRef idx="1">
+        <a:scrgbClr r="0" g="0" b="0"/>
+      </a:fillRef>
+      <a:effectRef idx="0">
+        <a:scrgbClr r="0" g="0" b="0"/>
+      </a:effectRef>
+      <a:fontRef idx="minor"/>
+    </dgm:style>
+  </dgm:styleLbl>
+  <dgm:styleLbl name="trBgShp">
+    <dgm:scene3d>
+      <a:camera prst="orthographicFront"/>
+      <a:lightRig rig="threePt" dir="t"/>
+    </dgm:scene3d>
+    <dgm:sp3d/>
+    <dgm:txPr/>
+    <dgm:style>
+      <a:lnRef idx="0">
+        <a:scrgbClr r="0" g="0" b="0"/>
+      </a:lnRef>
+      <a:fillRef idx="1">
+        <a:scrgbClr r="0" g="0" b="0"/>
+      </a:fillRef>
+      <a:effectRef idx="0">
+        <a:scrgbClr r="0" g="0" b="0"/>
+      </a:effectRef>
+      <a:fontRef idx="minor"/>
+    </dgm:style>
+  </dgm:styleLbl>
+  <dgm:styleLbl name="fgShp">
+    <dgm:scene3d>
+      <a:camera prst="orthographicFront"/>
+      <a:lightRig rig="threePt" dir="t"/>
+    </dgm:scene3d>
+    <dgm:sp3d/>
+    <dgm:txPr/>
+    <dgm:style>
+      <a:lnRef idx="2">
+        <a:scrgbClr r="0" g="0" b="0"/>
+      </a:lnRef>
+      <a:fillRef idx="1">
+        <a:scrgbClr r="0" g="0" b="0"/>
+      </a:fillRef>
+      <a:effectRef idx="0">
+        <a:scrgbClr r="0" g="0" b="0"/>
+      </a:effectRef>
+      <a:fontRef idx="minor"/>
+    </dgm:style>
+  </dgm:styleLbl>
+  <dgm:styleLbl name="revTx">
+    <dgm:scene3d>
+      <a:camera prst="orthographicFront"/>
+      <a:lightRig rig="threePt" dir="t"/>
+    </dgm:scene3d>
+    <dgm:sp3d/>
+    <dgm:txPr/>
+    <dgm:style>
+      <a:lnRef idx="0">
+        <a:scrgbClr r="0" g="0" b="0"/>
+      </a:lnRef>
+      <a:fillRef idx="0">
+        <a:scrgbClr r="0" g="0" b="0"/>
+      </a:fillRef>
+      <a:effectRef idx="0">
+        <a:scrgbClr r="0" g="0" b="0"/>
+      </a:effectRef>
+      <a:fontRef idx="minor"/>
+    </dgm:style>
+  </dgm:styleLbl>
+</dgm:styleDef>
+</file>
+
+<file path=ppt/diagrams/quickStyle2.xml><?xml version="1.0" encoding="utf-8"?>
 <dgm:styleDef xmlns:dgm="http://schemas.openxmlformats.org/drawingml/2006/diagram" xmlns:a="http://schemas.openxmlformats.org/drawingml/2006/main" uniqueId="urn:microsoft.com/office/officeart/2005/8/quickstyle/simple1">
   <dgm:title val=""/>
   <dgm:desc val=""/>
@@ -12878,6 +15093,1072 @@
           <a:chExt cx="0" cy="0"/>
         </a:xfrm>
       </p:grpSpPr>
+      <p:sp useBgFill="1">
+        <p:nvSpPr>
+          <p:cNvPr id="9" name="Rectangle 8">
+            <a:extLst>
+              <a:ext uri="{FF2B5EF4-FFF2-40B4-BE49-F238E27FC236}">
+                <a16:creationId xmlns:a16="http://schemas.microsoft.com/office/drawing/2014/main" id="{60B7752B-728D-4CA3-8923-C4F7F77029E3}"/>
+              </a:ext>
+              <a:ext uri="{C183D7F6-B498-43B3-948B-1728B52AA6E4}">
+                <adec:decorative xmlns:adec="http://schemas.microsoft.com/office/drawing/2017/decorative" val="1"/>
+              </a:ext>
+            </a:extLst>
+          </p:cNvPr>
+          <p:cNvSpPr>
+            <a:spLocks noGrp="1" noRot="1" noChangeAspect="1" noMove="1" noResize="1" noEditPoints="1" noAdjustHandles="1" noChangeArrowheads="1" noChangeShapeType="1" noTextEdit="1"/>
+          </p:cNvSpPr>
+          <p:nvPr>
+            <p:extLst>
+              <p:ext uri="{386F3935-93C4-4BCD-93E2-E3B085C9AB24}">
+                <p16:designElem xmlns:p16="http://schemas.microsoft.com/office/powerpoint/2015/main" val="1"/>
+              </p:ext>
+            </p:extLst>
+          </p:nvPr>
+        </p:nvSpPr>
+        <p:spPr>
+          <a:xfrm>
+            <a:off x="0" y="0"/>
+            <a:ext cx="12192000" cy="6858000"/>
+          </a:xfrm>
+          <a:prstGeom prst="rect">
+            <a:avLst/>
+          </a:prstGeom>
+          <a:ln w="12700" cap="flat" cmpd="sng" algn="ctr">
+            <a:noFill/>
+            <a:prstDash val="solid"/>
+            <a:miter lim="800000"/>
+          </a:ln>
+          <a:effectLst/>
+          <a:extLst>
+            <a:ext uri="{91240B29-F687-4F45-9708-019B960494DF}">
+              <a14:hiddenLine xmlns:a14="http://schemas.microsoft.com/office/drawing/2010/main" w="12700" cap="flat" cmpd="sng" algn="ctr">
+                <a:solidFill>
+                  <a:schemeClr val="accent1">
+                    <a:shade val="50000"/>
+                  </a:schemeClr>
+                </a:solidFill>
+                <a:prstDash val="solid"/>
+                <a:miter lim="800000"/>
+              </a14:hiddenLine>
+            </a:ext>
+          </a:extLst>
+        </p:spPr>
+        <p:style>
+          <a:lnRef idx="2">
+            <a:schemeClr val="accent1">
+              <a:shade val="50000"/>
+            </a:schemeClr>
+          </a:lnRef>
+          <a:fillRef idx="1">
+            <a:schemeClr val="accent1"/>
+          </a:fillRef>
+          <a:effectRef idx="0">
+            <a:schemeClr val="accent1"/>
+          </a:effectRef>
+          <a:fontRef idx="minor">
+            <a:schemeClr val="lt1"/>
+          </a:fontRef>
+        </p:style>
+        <p:txBody>
+          <a:bodyPr rtlCol="0" anchor="ctr"/>
+          <a:lstStyle/>
+          <a:p>
+            <a:pPr algn="ctr"/>
+            <a:endParaRPr lang="en-US"/>
+          </a:p>
+        </p:txBody>
+      </p:sp>
+      <p:sp>
+        <p:nvSpPr>
+          <p:cNvPr id="2" name="Title 1">
+            <a:extLst>
+              <a:ext uri="{FF2B5EF4-FFF2-40B4-BE49-F238E27FC236}">
+                <a16:creationId xmlns:a16="http://schemas.microsoft.com/office/drawing/2014/main" id="{A6AC3F5A-4B84-4A73-901D-3E5D0EDDDB5E}"/>
+              </a:ext>
+            </a:extLst>
+          </p:cNvPr>
+          <p:cNvSpPr>
+            <a:spLocks noGrp="1"/>
+          </p:cNvSpPr>
+          <p:nvPr>
+            <p:ph type="title"/>
+          </p:nvPr>
+        </p:nvSpPr>
+        <p:spPr>
+          <a:xfrm>
+            <a:off x="550863" y="550800"/>
+            <a:ext cx="7308850" cy="986400"/>
+          </a:xfrm>
+        </p:spPr>
+        <p:txBody>
+          <a:bodyPr wrap="square" anchor="ctr">
+            <a:normAutofit/>
+          </a:bodyPr>
+          <a:lstStyle/>
+          <a:p>
+            <a:r>
+              <a:rPr lang="en-US"/>
+              <a:t>General</a:t>
+            </a:r>
+          </a:p>
+        </p:txBody>
+      </p:sp>
+      <p:sp>
+        <p:nvSpPr>
+          <p:cNvPr id="11" name="Rectangle 10">
+            <a:extLst>
+              <a:ext uri="{FF2B5EF4-FFF2-40B4-BE49-F238E27FC236}">
+                <a16:creationId xmlns:a16="http://schemas.microsoft.com/office/drawing/2014/main" id="{88392DC7-0988-443B-A0D0-E726C7DB622B}"/>
+              </a:ext>
+              <a:ext uri="{C183D7F6-B498-43B3-948B-1728B52AA6E4}">
+                <adec:decorative xmlns:adec="http://schemas.microsoft.com/office/drawing/2017/decorative" val="1"/>
+              </a:ext>
+            </a:extLst>
+          </p:cNvPr>
+          <p:cNvSpPr>
+            <a:spLocks noGrp="1" noRot="1" noChangeAspect="1" noMove="1" noResize="1" noEditPoints="1" noAdjustHandles="1" noChangeArrowheads="1" noChangeShapeType="1" noTextEdit="1"/>
+          </p:cNvSpPr>
+          <p:nvPr>
+            <p:extLst>
+              <p:ext uri="{386F3935-93C4-4BCD-93E2-E3B085C9AB24}">
+                <p16:designElem xmlns:p16="http://schemas.microsoft.com/office/powerpoint/2015/main" val="1"/>
+              </p:ext>
+            </p:extLst>
+          </p:nvPr>
+        </p:nvSpPr>
+        <p:spPr>
+          <a:xfrm>
+            <a:off x="0" y="2083435"/>
+            <a:ext cx="12192000" cy="4774564"/>
+          </a:xfrm>
+          <a:prstGeom prst="rect">
+            <a:avLst/>
+          </a:prstGeom>
+          <a:solidFill>
+            <a:schemeClr val="bg2">
+              <a:lumMod val="10000"/>
+              <a:lumOff val="90000"/>
+              <a:alpha val="5000"/>
+            </a:schemeClr>
+          </a:solidFill>
+          <a:ln>
+            <a:noFill/>
+          </a:ln>
+        </p:spPr>
+        <p:style>
+          <a:lnRef idx="2">
+            <a:schemeClr val="accent1">
+              <a:shade val="50000"/>
+            </a:schemeClr>
+          </a:lnRef>
+          <a:fillRef idx="1">
+            <a:schemeClr val="accent1"/>
+          </a:fillRef>
+          <a:effectRef idx="0">
+            <a:schemeClr val="accent1"/>
+          </a:effectRef>
+          <a:fontRef idx="minor">
+            <a:schemeClr val="lt1"/>
+          </a:fontRef>
+        </p:style>
+        <p:txBody>
+          <a:bodyPr rtlCol="0" anchor="ctr"/>
+          <a:lstStyle/>
+          <a:p>
+            <a:pPr algn="ctr"/>
+            <a:endParaRPr lang="en-US"/>
+          </a:p>
+        </p:txBody>
+      </p:sp>
+      <p:graphicFrame>
+        <p:nvGraphicFramePr>
+          <p:cNvPr id="5" name="Content Placeholder 2">
+            <a:extLst>
+              <a:ext uri="{FF2B5EF4-FFF2-40B4-BE49-F238E27FC236}">
+                <a16:creationId xmlns:a16="http://schemas.microsoft.com/office/drawing/2014/main" id="{463B5A6E-4FF7-4CFC-A1F3-B79A86810CDE}"/>
+              </a:ext>
+            </a:extLst>
+          </p:cNvPr>
+          <p:cNvGraphicFramePr>
+            <a:graphicFrameLocks noGrp="1"/>
+          </p:cNvGraphicFramePr>
+          <p:nvPr>
+            <p:ph idx="1"/>
+            <p:extLst>
+              <p:ext uri="{D42A27DB-BD31-4B8C-83A1-F6EECF244321}">
+                <p14:modId xmlns:p14="http://schemas.microsoft.com/office/powerpoint/2010/main" val="1863427820"/>
+              </p:ext>
+            </p:extLst>
+          </p:nvPr>
+        </p:nvGraphicFramePr>
+        <p:xfrm>
+          <a:off x="550863" y="2624135"/>
+          <a:ext cx="11090276" cy="3468690"/>
+        </p:xfrm>
+        <a:graphic>
+          <a:graphicData uri="http://schemas.openxmlformats.org/drawingml/2006/diagram">
+            <dgm:relIds xmlns:dgm="http://schemas.openxmlformats.org/drawingml/2006/diagram" xmlns:r="http://schemas.openxmlformats.org/officeDocument/2006/relationships" r:dm="rId2" r:lo="rId3" r:qs="rId4" r:cs="rId5"/>
+          </a:graphicData>
+        </a:graphic>
+      </p:graphicFrame>
+    </p:spTree>
+    <p:extLst>
+      <p:ext uri="{BB962C8B-B14F-4D97-AF65-F5344CB8AC3E}">
+        <p14:creationId xmlns:p14="http://schemas.microsoft.com/office/powerpoint/2010/main" val="4004544511"/>
+      </p:ext>
+    </p:extLst>
+  </p:cSld>
+  <p:clrMapOvr>
+    <a:masterClrMapping/>
+  </p:clrMapOvr>
+</p:sld>
+</file>
+
+<file path=ppt/slides/slide5.xml><?xml version="1.0" encoding="utf-8"?>
+<p:sld xmlns:a="http://schemas.openxmlformats.org/drawingml/2006/main" xmlns:r="http://schemas.openxmlformats.org/officeDocument/2006/relationships" xmlns:p="http://schemas.openxmlformats.org/presentationml/2006/main">
+  <p:cSld>
+    <p:bg>
+      <p:bgPr>
+        <a:solidFill>
+          <a:schemeClr val="bg2"/>
+        </a:solidFill>
+        <a:effectLst/>
+      </p:bgPr>
+    </p:bg>
+    <p:spTree>
+      <p:nvGrpSpPr>
+        <p:cNvPr id="1" name=""/>
+        <p:cNvGrpSpPr/>
+        <p:nvPr/>
+      </p:nvGrpSpPr>
+      <p:grpSpPr>
+        <a:xfrm>
+          <a:off x="0" y="0"/>
+          <a:ext cx="0" cy="0"/>
+          <a:chOff x="0" y="0"/>
+          <a:chExt cx="0" cy="0"/>
+        </a:xfrm>
+      </p:grpSpPr>
+      <p:sp useBgFill="1">
+        <p:nvSpPr>
+          <p:cNvPr id="66" name="Rectangle 68">
+            <a:extLst>
+              <a:ext uri="{FF2B5EF4-FFF2-40B4-BE49-F238E27FC236}">
+                <a16:creationId xmlns:a16="http://schemas.microsoft.com/office/drawing/2014/main" id="{A5931BE0-4B93-4D6C-878E-ACC59D6B4587}"/>
+              </a:ext>
+              <a:ext uri="{C183D7F6-B498-43B3-948B-1728B52AA6E4}">
+                <adec:decorative xmlns:adec="http://schemas.microsoft.com/office/drawing/2017/decorative" val="1"/>
+              </a:ext>
+            </a:extLst>
+          </p:cNvPr>
+          <p:cNvSpPr>
+            <a:spLocks noGrp="1" noRot="1" noChangeAspect="1" noMove="1" noResize="1" noEditPoints="1" noAdjustHandles="1" noChangeArrowheads="1" noChangeShapeType="1" noTextEdit="1"/>
+          </p:cNvSpPr>
+          <p:nvPr>
+            <p:extLst>
+              <p:ext uri="{386F3935-93C4-4BCD-93E2-E3B085C9AB24}">
+                <p16:designElem xmlns:p16="http://schemas.microsoft.com/office/powerpoint/2015/main" val="1"/>
+              </p:ext>
+            </p:extLst>
+          </p:nvPr>
+        </p:nvSpPr>
+        <p:spPr>
+          <a:xfrm>
+            <a:off x="0" y="0"/>
+            <a:ext cx="12192000" cy="6858000"/>
+          </a:xfrm>
+          <a:prstGeom prst="rect">
+            <a:avLst/>
+          </a:prstGeom>
+          <a:ln w="12700" cap="flat" cmpd="sng" algn="ctr">
+            <a:noFill/>
+            <a:prstDash val="solid"/>
+            <a:miter lim="800000"/>
+          </a:ln>
+          <a:effectLst/>
+          <a:extLst>
+            <a:ext uri="{91240B29-F687-4F45-9708-019B960494DF}">
+              <a14:hiddenLine xmlns:a14="http://schemas.microsoft.com/office/drawing/2010/main" w="12700" cap="flat" cmpd="sng" algn="ctr">
+                <a:solidFill>
+                  <a:schemeClr val="accent1">
+                    <a:shade val="50000"/>
+                  </a:schemeClr>
+                </a:solidFill>
+                <a:prstDash val="solid"/>
+                <a:miter lim="800000"/>
+              </a14:hiddenLine>
+            </a:ext>
+          </a:extLst>
+        </p:spPr>
+        <p:style>
+          <a:lnRef idx="2">
+            <a:schemeClr val="accent1">
+              <a:shade val="50000"/>
+            </a:schemeClr>
+          </a:lnRef>
+          <a:fillRef idx="1">
+            <a:schemeClr val="accent1"/>
+          </a:fillRef>
+          <a:effectRef idx="0">
+            <a:schemeClr val="accent1"/>
+          </a:effectRef>
+          <a:fontRef idx="minor">
+            <a:schemeClr val="lt1"/>
+          </a:fontRef>
+        </p:style>
+        <p:txBody>
+          <a:bodyPr rtlCol="0" anchor="ctr"/>
+          <a:lstStyle/>
+          <a:p>
+            <a:pPr algn="ctr"/>
+            <a:endParaRPr lang="en-US"/>
+          </a:p>
+        </p:txBody>
+      </p:sp>
+      <p:sp>
+        <p:nvSpPr>
+          <p:cNvPr id="2" name="Title 1">
+            <a:extLst>
+              <a:ext uri="{FF2B5EF4-FFF2-40B4-BE49-F238E27FC236}">
+                <a16:creationId xmlns:a16="http://schemas.microsoft.com/office/drawing/2014/main" id="{D6EF9D61-D649-4A56-8ADB-6B8DA52C5043}"/>
+              </a:ext>
+            </a:extLst>
+          </p:cNvPr>
+          <p:cNvSpPr>
+            <a:spLocks noGrp="1"/>
+          </p:cNvSpPr>
+          <p:nvPr>
+            <p:ph type="title"/>
+          </p:nvPr>
+        </p:nvSpPr>
+        <p:spPr>
+          <a:xfrm>
+            <a:off x="550864" y="549275"/>
+            <a:ext cx="3565524" cy="1997855"/>
+          </a:xfrm>
+        </p:spPr>
+        <p:txBody>
+          <a:bodyPr wrap="square" anchor="b">
+            <a:normAutofit/>
+          </a:bodyPr>
+          <a:lstStyle/>
+          <a:p>
+            <a:r>
+              <a:rPr lang="en-US"/>
+              <a:t>Database</a:t>
+            </a:r>
+          </a:p>
+        </p:txBody>
+      </p:sp>
+      <p:grpSp>
+        <p:nvGrpSpPr>
+          <p:cNvPr id="71" name="Group 70">
+            <a:extLst>
+              <a:ext uri="{FF2B5EF4-FFF2-40B4-BE49-F238E27FC236}">
+                <a16:creationId xmlns:a16="http://schemas.microsoft.com/office/drawing/2014/main" id="{9F2D4ED5-DC78-4C88-97AA-483206C53E90}"/>
+              </a:ext>
+              <a:ext uri="{C183D7F6-B498-43B3-948B-1728B52AA6E4}">
+                <adec:decorative xmlns:adec="http://schemas.microsoft.com/office/drawing/2017/decorative" val="1"/>
+              </a:ext>
+            </a:extLst>
+          </p:cNvPr>
+          <p:cNvGrpSpPr>
+            <a:grpSpLocks noGrp="1" noUngrp="1" noRot="1" noChangeAspect="1" noMove="1" noResize="1"/>
+          </p:cNvGrpSpPr>
+          <p:nvPr>
+            <p:extLst>
+              <p:ext uri="{386F3935-93C4-4BCD-93E2-E3B085C9AB24}">
+                <p16:designElem xmlns:p16="http://schemas.microsoft.com/office/powerpoint/2015/main" val="1"/>
+              </p:ext>
+            </p:extLst>
+          </p:nvPr>
+        </p:nvGrpSpPr>
+        <p:grpSpPr>
+          <a:xfrm>
+            <a:off x="10570793" y="0"/>
+            <a:ext cx="1468514" cy="1521012"/>
+            <a:chOff x="5236793" y="2432482"/>
+            <a:chExt cx="1468514" cy="1521012"/>
+          </a:xfrm>
+        </p:grpSpPr>
+        <p:sp>
+          <p:nvSpPr>
+            <p:cNvPr id="72" name="Freeform 5">
+              <a:extLst>
+                <a:ext uri="{FF2B5EF4-FFF2-40B4-BE49-F238E27FC236}">
+                  <a16:creationId xmlns:a16="http://schemas.microsoft.com/office/drawing/2014/main" id="{0DE0B65A-4839-40B2-BA92-1464FEADBA4A}"/>
+                </a:ext>
+                <a:ext uri="{C183D7F6-B498-43B3-948B-1728B52AA6E4}">
+                  <adec:decorative xmlns:adec="http://schemas.microsoft.com/office/drawing/2017/decorative" val="1"/>
+                </a:ext>
+              </a:extLst>
+            </p:cNvPr>
+            <p:cNvSpPr>
+              <a:spLocks/>
+            </p:cNvSpPr>
+            <p:nvPr>
+              <p:extLst>
+                <p:ext uri="{386F3935-93C4-4BCD-93E2-E3B085C9AB24}">
+                  <p16:designElem xmlns:p16="http://schemas.microsoft.com/office/powerpoint/2015/main" val="1"/>
+                </p:ext>
+              </p:extLst>
+            </p:nvPr>
+          </p:nvSpPr>
+          <p:spPr bwMode="auto">
+            <a:xfrm rot="1800000">
+              <a:off x="5463135" y="2432482"/>
+              <a:ext cx="1242172" cy="729202"/>
+            </a:xfrm>
+            <a:custGeom>
+              <a:avLst/>
+              <a:gdLst>
+                <a:gd name="T0" fmla="*/ 266 w 540"/>
+                <a:gd name="T1" fmla="*/ 0 h 317"/>
+                <a:gd name="T2" fmla="*/ 0 w 540"/>
+                <a:gd name="T3" fmla="*/ 158 h 317"/>
+                <a:gd name="T4" fmla="*/ 266 w 540"/>
+                <a:gd name="T5" fmla="*/ 317 h 317"/>
+                <a:gd name="T6" fmla="*/ 540 w 540"/>
+                <a:gd name="T7" fmla="*/ 158 h 317"/>
+                <a:gd name="T8" fmla="*/ 266 w 540"/>
+                <a:gd name="T9" fmla="*/ 0 h 317"/>
+              </a:gdLst>
+              <a:ahLst/>
+              <a:cxnLst>
+                <a:cxn ang="0">
+                  <a:pos x="T0" y="T1"/>
+                </a:cxn>
+                <a:cxn ang="0">
+                  <a:pos x="T2" y="T3"/>
+                </a:cxn>
+                <a:cxn ang="0">
+                  <a:pos x="T4" y="T5"/>
+                </a:cxn>
+                <a:cxn ang="0">
+                  <a:pos x="T6" y="T7"/>
+                </a:cxn>
+                <a:cxn ang="0">
+                  <a:pos x="T8" y="T9"/>
+                </a:cxn>
+              </a:cxnLst>
+              <a:rect l="0" t="0" r="r" b="b"/>
+              <a:pathLst>
+                <a:path w="540" h="317">
+                  <a:moveTo>
+                    <a:pt x="266" y="0"/>
+                  </a:moveTo>
+                  <a:lnTo>
+                    <a:pt x="0" y="158"/>
+                  </a:lnTo>
+                  <a:lnTo>
+                    <a:pt x="266" y="317"/>
+                  </a:lnTo>
+                  <a:lnTo>
+                    <a:pt x="540" y="158"/>
+                  </a:lnTo>
+                  <a:lnTo>
+                    <a:pt x="266" y="0"/>
+                  </a:lnTo>
+                  <a:close/>
+                </a:path>
+              </a:pathLst>
+            </a:custGeom>
+            <a:gradFill flip="none" rotWithShape="1">
+              <a:gsLst>
+                <a:gs pos="20000">
+                  <a:schemeClr val="bg2">
+                    <a:lumMod val="90000"/>
+                    <a:lumOff val="10000"/>
+                    <a:alpha val="20000"/>
+                  </a:schemeClr>
+                </a:gs>
+                <a:gs pos="100000">
+                  <a:schemeClr val="accent1">
+                    <a:lumMod val="60000"/>
+                    <a:lumOff val="40000"/>
+                    <a:alpha val="40000"/>
+                  </a:schemeClr>
+                </a:gs>
+              </a:gsLst>
+              <a:lin ang="0" scaled="0"/>
+              <a:tileRect/>
+            </a:gradFill>
+            <a:ln>
+              <a:noFill/>
+            </a:ln>
+            <a:effectLst>
+              <a:innerShdw blurRad="254000">
+                <a:schemeClr val="bg2">
+                  <a:lumMod val="90000"/>
+                  <a:lumOff val="10000"/>
+                </a:schemeClr>
+              </a:innerShdw>
+            </a:effectLst>
+          </p:spPr>
+          <p:style>
+            <a:lnRef idx="2">
+              <a:schemeClr val="accent1">
+                <a:shade val="50000"/>
+              </a:schemeClr>
+            </a:lnRef>
+            <a:fillRef idx="1">
+              <a:schemeClr val="accent1"/>
+            </a:fillRef>
+            <a:effectRef idx="0">
+              <a:schemeClr val="accent1"/>
+            </a:effectRef>
+            <a:fontRef idx="minor">
+              <a:schemeClr val="lt1"/>
+            </a:fontRef>
+          </p:style>
+          <p:txBody>
+            <a:bodyPr rot="0" spcFirstLastPara="0" vertOverflow="overflow" horzOverflow="overflow" vert="horz" wrap="square" lIns="91440" tIns="45720" rIns="91440" bIns="45720" numCol="1" spcCol="0" rtlCol="0" fromWordArt="0" anchor="ctr" anchorCtr="0" forceAA="0" compatLnSpc="1">
+              <a:prstTxWarp prst="textNoShape">
+                <a:avLst/>
+              </a:prstTxWarp>
+              <a:noAutofit/>
+            </a:bodyPr>
+            <a:lstStyle/>
+            <a:p>
+              <a:pPr algn="ctr"/>
+              <a:endParaRPr lang="en-US"/>
+            </a:p>
+          </p:txBody>
+        </p:sp>
+        <p:sp>
+          <p:nvSpPr>
+            <p:cNvPr id="73" name="Freeform 6">
+              <a:extLst>
+                <a:ext uri="{FF2B5EF4-FFF2-40B4-BE49-F238E27FC236}">
+                  <a16:creationId xmlns:a16="http://schemas.microsoft.com/office/drawing/2014/main" id="{842A0A68-39DD-4DA7-BAD5-63B9C1398718}"/>
+                </a:ext>
+                <a:ext uri="{C183D7F6-B498-43B3-948B-1728B52AA6E4}">
+                  <adec:decorative xmlns:adec="http://schemas.microsoft.com/office/drawing/2017/decorative" val="1"/>
+                </a:ext>
+              </a:extLst>
+            </p:cNvPr>
+            <p:cNvSpPr>
+              <a:spLocks/>
+            </p:cNvSpPr>
+            <p:nvPr>
+              <p:extLst>
+                <p:ext uri="{386F3935-93C4-4BCD-93E2-E3B085C9AB24}">
+                  <p16:designElem xmlns:p16="http://schemas.microsoft.com/office/powerpoint/2015/main" val="1"/>
+                </p:ext>
+              </p:extLst>
+            </p:nvPr>
+          </p:nvSpPr>
+          <p:spPr bwMode="auto">
+            <a:xfrm rot="1800000">
+              <a:off x="5236793" y="2566400"/>
+              <a:ext cx="611884" cy="1076550"/>
+            </a:xfrm>
+            <a:custGeom>
+              <a:avLst/>
+              <a:gdLst>
+                <a:gd name="T0" fmla="*/ 266 w 266"/>
+                <a:gd name="T1" fmla="*/ 468 h 468"/>
+                <a:gd name="T2" fmla="*/ 0 w 266"/>
+                <a:gd name="T3" fmla="*/ 310 h 468"/>
+                <a:gd name="T4" fmla="*/ 0 w 266"/>
+                <a:gd name="T5" fmla="*/ 310 h 468"/>
+                <a:gd name="T6" fmla="*/ 0 w 266"/>
+                <a:gd name="T7" fmla="*/ 0 h 468"/>
+                <a:gd name="T8" fmla="*/ 0 w 266"/>
+                <a:gd name="T9" fmla="*/ 0 h 468"/>
+                <a:gd name="T10" fmla="*/ 266 w 266"/>
+                <a:gd name="T11" fmla="*/ 159 h 468"/>
+                <a:gd name="T12" fmla="*/ 266 w 266"/>
+                <a:gd name="T13" fmla="*/ 468 h 468"/>
+              </a:gdLst>
+              <a:ahLst/>
+              <a:cxnLst>
+                <a:cxn ang="0">
+                  <a:pos x="T0" y="T1"/>
+                </a:cxn>
+                <a:cxn ang="0">
+                  <a:pos x="T2" y="T3"/>
+                </a:cxn>
+                <a:cxn ang="0">
+                  <a:pos x="T4" y="T5"/>
+                </a:cxn>
+                <a:cxn ang="0">
+                  <a:pos x="T6" y="T7"/>
+                </a:cxn>
+                <a:cxn ang="0">
+                  <a:pos x="T8" y="T9"/>
+                </a:cxn>
+                <a:cxn ang="0">
+                  <a:pos x="T10" y="T11"/>
+                </a:cxn>
+                <a:cxn ang="0">
+                  <a:pos x="T12" y="T13"/>
+                </a:cxn>
+              </a:cxnLst>
+              <a:rect l="0" t="0" r="r" b="b"/>
+              <a:pathLst>
+                <a:path w="266" h="468">
+                  <a:moveTo>
+                    <a:pt x="266" y="468"/>
+                  </a:moveTo>
+                  <a:lnTo>
+                    <a:pt x="0" y="310"/>
+                  </a:lnTo>
+                  <a:lnTo>
+                    <a:pt x="0" y="310"/>
+                  </a:lnTo>
+                  <a:lnTo>
+                    <a:pt x="0" y="0"/>
+                  </a:lnTo>
+                  <a:lnTo>
+                    <a:pt x="0" y="0"/>
+                  </a:lnTo>
+                  <a:lnTo>
+                    <a:pt x="266" y="159"/>
+                  </a:lnTo>
+                  <a:lnTo>
+                    <a:pt x="266" y="468"/>
+                  </a:lnTo>
+                  <a:close/>
+                </a:path>
+              </a:pathLst>
+            </a:custGeom>
+            <a:gradFill flip="none" rotWithShape="1">
+              <a:gsLst>
+                <a:gs pos="20000">
+                  <a:schemeClr val="bg2">
+                    <a:lumMod val="90000"/>
+                    <a:lumOff val="10000"/>
+                    <a:alpha val="20000"/>
+                  </a:schemeClr>
+                </a:gs>
+                <a:gs pos="100000">
+                  <a:schemeClr val="accent1">
+                    <a:lumMod val="60000"/>
+                    <a:lumOff val="40000"/>
+                    <a:alpha val="40000"/>
+                  </a:schemeClr>
+                </a:gs>
+              </a:gsLst>
+              <a:lin ang="19800000" scaled="0"/>
+              <a:tileRect/>
+            </a:gradFill>
+            <a:ln>
+              <a:noFill/>
+            </a:ln>
+            <a:effectLst>
+              <a:innerShdw blurRad="254000">
+                <a:schemeClr val="bg2">
+                  <a:lumMod val="90000"/>
+                  <a:lumOff val="10000"/>
+                </a:schemeClr>
+              </a:innerShdw>
+            </a:effectLst>
+          </p:spPr>
+          <p:style>
+            <a:lnRef idx="2">
+              <a:schemeClr val="accent1">
+                <a:shade val="50000"/>
+              </a:schemeClr>
+            </a:lnRef>
+            <a:fillRef idx="1">
+              <a:schemeClr val="accent1"/>
+            </a:fillRef>
+            <a:effectRef idx="0">
+              <a:schemeClr val="accent1"/>
+            </a:effectRef>
+            <a:fontRef idx="minor">
+              <a:schemeClr val="lt1"/>
+            </a:fontRef>
+          </p:style>
+          <p:txBody>
+            <a:bodyPr rot="0" spcFirstLastPara="0" vertOverflow="overflow" horzOverflow="overflow" vert="horz" wrap="square" lIns="91440" tIns="45720" rIns="91440" bIns="45720" numCol="1" spcCol="0" rtlCol="0" fromWordArt="0" anchor="ctr" anchorCtr="0" forceAA="0" compatLnSpc="1">
+              <a:prstTxWarp prst="textNoShape">
+                <a:avLst/>
+              </a:prstTxWarp>
+              <a:noAutofit/>
+            </a:bodyPr>
+            <a:lstStyle/>
+            <a:p>
+              <a:pPr algn="ctr"/>
+              <a:endParaRPr lang="en-US"/>
+            </a:p>
+          </p:txBody>
+        </p:sp>
+        <p:sp>
+          <p:nvSpPr>
+            <p:cNvPr id="74" name="Freeform 8">
+              <a:extLst>
+                <a:ext uri="{FF2B5EF4-FFF2-40B4-BE49-F238E27FC236}">
+                  <a16:creationId xmlns:a16="http://schemas.microsoft.com/office/drawing/2014/main" id="{21A69E50-7E10-45C3-B4F2-19DBA7748498}"/>
+                </a:ext>
+                <a:ext uri="{C183D7F6-B498-43B3-948B-1728B52AA6E4}">
+                  <adec:decorative xmlns:adec="http://schemas.microsoft.com/office/drawing/2017/decorative" val="1"/>
+                </a:ext>
+              </a:extLst>
+            </p:cNvPr>
+            <p:cNvSpPr>
+              <a:spLocks/>
+            </p:cNvSpPr>
+            <p:nvPr>
+              <p:extLst>
+                <p:ext uri="{386F3935-93C4-4BCD-93E2-E3B085C9AB24}">
+                  <p16:designElem xmlns:p16="http://schemas.microsoft.com/office/powerpoint/2015/main" val="1"/>
+                </p:ext>
+              </p:extLst>
+            </p:nvPr>
+          </p:nvSpPr>
+          <p:spPr bwMode="auto">
+            <a:xfrm rot="1800000">
+              <a:off x="5765469" y="2876944"/>
+              <a:ext cx="630288" cy="1076550"/>
+            </a:xfrm>
+            <a:custGeom>
+              <a:avLst/>
+              <a:gdLst>
+                <a:gd name="T0" fmla="*/ 274 w 274"/>
+                <a:gd name="T1" fmla="*/ 0 h 468"/>
+                <a:gd name="T2" fmla="*/ 274 w 274"/>
+                <a:gd name="T3" fmla="*/ 310 h 468"/>
+                <a:gd name="T4" fmla="*/ 274 w 274"/>
+                <a:gd name="T5" fmla="*/ 310 h 468"/>
+                <a:gd name="T6" fmla="*/ 0 w 274"/>
+                <a:gd name="T7" fmla="*/ 468 h 468"/>
+                <a:gd name="T8" fmla="*/ 0 w 274"/>
+                <a:gd name="T9" fmla="*/ 159 h 468"/>
+                <a:gd name="T10" fmla="*/ 274 w 274"/>
+                <a:gd name="T11" fmla="*/ 0 h 468"/>
+                <a:gd name="T12" fmla="*/ 274 w 274"/>
+                <a:gd name="T13" fmla="*/ 0 h 468"/>
+              </a:gdLst>
+              <a:ahLst/>
+              <a:cxnLst>
+                <a:cxn ang="0">
+                  <a:pos x="T0" y="T1"/>
+                </a:cxn>
+                <a:cxn ang="0">
+                  <a:pos x="T2" y="T3"/>
+                </a:cxn>
+                <a:cxn ang="0">
+                  <a:pos x="T4" y="T5"/>
+                </a:cxn>
+                <a:cxn ang="0">
+                  <a:pos x="T6" y="T7"/>
+                </a:cxn>
+                <a:cxn ang="0">
+                  <a:pos x="T8" y="T9"/>
+                </a:cxn>
+                <a:cxn ang="0">
+                  <a:pos x="T10" y="T11"/>
+                </a:cxn>
+                <a:cxn ang="0">
+                  <a:pos x="T12" y="T13"/>
+                </a:cxn>
+              </a:cxnLst>
+              <a:rect l="0" t="0" r="r" b="b"/>
+              <a:pathLst>
+                <a:path w="274" h="468">
+                  <a:moveTo>
+                    <a:pt x="274" y="0"/>
+                  </a:moveTo>
+                  <a:lnTo>
+                    <a:pt x="274" y="310"/>
+                  </a:lnTo>
+                  <a:lnTo>
+                    <a:pt x="274" y="310"/>
+                  </a:lnTo>
+                  <a:lnTo>
+                    <a:pt x="0" y="468"/>
+                  </a:lnTo>
+                  <a:lnTo>
+                    <a:pt x="0" y="159"/>
+                  </a:lnTo>
+                  <a:lnTo>
+                    <a:pt x="274" y="0"/>
+                  </a:lnTo>
+                  <a:lnTo>
+                    <a:pt x="274" y="0"/>
+                  </a:lnTo>
+                  <a:close/>
+                </a:path>
+              </a:pathLst>
+            </a:custGeom>
+            <a:gradFill flip="none" rotWithShape="1">
+              <a:gsLst>
+                <a:gs pos="20000">
+                  <a:schemeClr val="bg2">
+                    <a:lumMod val="90000"/>
+                    <a:lumOff val="10000"/>
+                    <a:alpha val="20000"/>
+                  </a:schemeClr>
+                </a:gs>
+                <a:gs pos="100000">
+                  <a:schemeClr val="accent1">
+                    <a:lumMod val="40000"/>
+                    <a:lumOff val="60000"/>
+                    <a:alpha val="60000"/>
+                  </a:schemeClr>
+                </a:gs>
+              </a:gsLst>
+              <a:lin ang="18000000" scaled="0"/>
+              <a:tileRect/>
+            </a:gradFill>
+            <a:ln>
+              <a:noFill/>
+            </a:ln>
+            <a:effectLst>
+              <a:innerShdw blurRad="508000">
+                <a:schemeClr val="accent1">
+                  <a:lumMod val="60000"/>
+                  <a:lumOff val="40000"/>
+                  <a:alpha val="40000"/>
+                </a:schemeClr>
+              </a:innerShdw>
+            </a:effectLst>
+          </p:spPr>
+          <p:style>
+            <a:lnRef idx="2">
+              <a:schemeClr val="accent1">
+                <a:shade val="50000"/>
+              </a:schemeClr>
+            </a:lnRef>
+            <a:fillRef idx="1">
+              <a:schemeClr val="accent1"/>
+            </a:fillRef>
+            <a:effectRef idx="0">
+              <a:schemeClr val="accent1"/>
+            </a:effectRef>
+            <a:fontRef idx="minor">
+              <a:schemeClr val="lt1"/>
+            </a:fontRef>
+          </p:style>
+          <p:txBody>
+            <a:bodyPr rot="0" spcFirstLastPara="0" vertOverflow="overflow" horzOverflow="overflow" vert="horz" wrap="square" lIns="91440" tIns="45720" rIns="91440" bIns="45720" numCol="1" spcCol="0" rtlCol="0" fromWordArt="0" anchor="ctr" anchorCtr="0" forceAA="0" compatLnSpc="1">
+              <a:prstTxWarp prst="textNoShape">
+                <a:avLst/>
+              </a:prstTxWarp>
+              <a:noAutofit/>
+            </a:bodyPr>
+            <a:lstStyle/>
+            <a:p>
+              <a:pPr algn="ctr"/>
+              <a:endParaRPr lang="en-US"/>
+            </a:p>
+          </p:txBody>
+        </p:sp>
+      </p:grpSp>
+      <p:sp>
+        <p:nvSpPr>
+          <p:cNvPr id="76" name="Oval 75">
+            <a:extLst>
+              <a:ext uri="{FF2B5EF4-FFF2-40B4-BE49-F238E27FC236}">
+                <a16:creationId xmlns:a16="http://schemas.microsoft.com/office/drawing/2014/main" id="{D166A8AB-8924-421C-BCED-B54DBC4054E0}"/>
+              </a:ext>
+              <a:ext uri="{C183D7F6-B498-43B3-948B-1728B52AA6E4}">
+                <adec:decorative xmlns:adec="http://schemas.microsoft.com/office/drawing/2017/decorative" val="1"/>
+              </a:ext>
+            </a:extLst>
+          </p:cNvPr>
+          <p:cNvSpPr>
+            <a:spLocks noGrp="1" noRot="1" noChangeAspect="1" noMove="1" noResize="1" noEditPoints="1" noAdjustHandles="1" noChangeArrowheads="1" noChangeShapeType="1" noTextEdit="1"/>
+          </p:cNvSpPr>
+          <p:nvPr>
+            <p:extLst>
+              <p:ext uri="{386F3935-93C4-4BCD-93E2-E3B085C9AB24}">
+                <p16:designElem xmlns:p16="http://schemas.microsoft.com/office/powerpoint/2015/main" val="1"/>
+              </p:ext>
+            </p:extLst>
+          </p:nvPr>
+        </p:nvSpPr>
+        <p:spPr>
+          <a:xfrm>
+            <a:off x="2677897" y="5497189"/>
+            <a:ext cx="360000" cy="360000"/>
+          </a:xfrm>
+          <a:prstGeom prst="ellipse">
+            <a:avLst/>
+          </a:prstGeom>
+          <a:gradFill flip="none" rotWithShape="1">
+            <a:gsLst>
+              <a:gs pos="100000">
+                <a:schemeClr val="bg2">
+                  <a:lumMod val="50000"/>
+                  <a:lumOff val="50000"/>
+                </a:schemeClr>
+              </a:gs>
+              <a:gs pos="60000">
+                <a:schemeClr val="bg2"/>
+              </a:gs>
+            </a:gsLst>
+            <a:path path="circle">
+              <a:fillToRect l="100000" b="100000"/>
+            </a:path>
+            <a:tileRect t="-100000" r="-100000"/>
+          </a:gradFill>
+          <a:ln>
+            <a:noFill/>
+          </a:ln>
+          <a:effectLst>
+            <a:innerShdw blurRad="127000" dist="63500" dir="2700000">
+              <a:schemeClr val="accent1">
+                <a:lumMod val="60000"/>
+                <a:lumOff val="40000"/>
+                <a:alpha val="20000"/>
+              </a:schemeClr>
+            </a:innerShdw>
+            <a:softEdge rad="0"/>
+          </a:effectLst>
+        </p:spPr>
+        <p:style>
+          <a:lnRef idx="2">
+            <a:schemeClr val="accent1">
+              <a:shade val="50000"/>
+            </a:schemeClr>
+          </a:lnRef>
+          <a:fillRef idx="1">
+            <a:schemeClr val="accent1"/>
+          </a:fillRef>
+          <a:effectRef idx="0">
+            <a:schemeClr val="accent1"/>
+          </a:effectRef>
+          <a:fontRef idx="minor">
+            <a:schemeClr val="lt1"/>
+          </a:fontRef>
+        </p:style>
+        <p:txBody>
+          <a:bodyPr rot="0" spcFirstLastPara="0" vertOverflow="overflow" horzOverflow="overflow" vert="horz" wrap="square" lIns="91440" tIns="45720" rIns="91440" bIns="45720" numCol="1" spcCol="0" rtlCol="0" fromWordArt="0" anchor="ctr" anchorCtr="0" forceAA="0" compatLnSpc="1">
+            <a:prstTxWarp prst="textNoShape">
+              <a:avLst/>
+            </a:prstTxWarp>
+            <a:noAutofit/>
+          </a:bodyPr>
+          <a:lstStyle/>
+          <a:p>
+            <a:pPr algn="ctr"/>
+            <a:endParaRPr lang="en-US"/>
+          </a:p>
+        </p:txBody>
+      </p:sp>
+      <p:pic>
+        <p:nvPicPr>
+          <p:cNvPr id="64" name="Picture 64" descr="Text&#10;&#10;Description automatically generated">
+            <a:extLst>
+              <a:ext uri="{FF2B5EF4-FFF2-40B4-BE49-F238E27FC236}">
+                <a16:creationId xmlns:a16="http://schemas.microsoft.com/office/drawing/2014/main" id="{0A7EDF3F-C839-4E4A-ACA7-D7096EFD91C2}"/>
+              </a:ext>
+            </a:extLst>
+          </p:cNvPr>
+          <p:cNvPicPr>
+            <a:picLocks noChangeAspect="1"/>
+          </p:cNvPicPr>
+          <p:nvPr/>
+        </p:nvPicPr>
+        <p:blipFill>
+          <a:blip r:embed="rId2"/>
+          <a:stretch>
+            <a:fillRect/>
+          </a:stretch>
+        </p:blipFill>
+        <p:spPr>
+          <a:xfrm>
+            <a:off x="6190857" y="549275"/>
+            <a:ext cx="3810323" cy="5759451"/>
+          </a:xfrm>
+          <a:custGeom>
+            <a:avLst/>
+            <a:gdLst/>
+            <a:ahLst/>
+            <a:cxnLst/>
+            <a:rect l="l" t="t" r="r" b="b"/>
+            <a:pathLst>
+              <a:path w="7090237" h="5759451">
+                <a:moveTo>
+                  <a:pt x="0" y="0"/>
+                </a:moveTo>
+                <a:lnTo>
+                  <a:pt x="7090237" y="0"/>
+                </a:lnTo>
+                <a:lnTo>
+                  <a:pt x="7090237" y="5759451"/>
+                </a:lnTo>
+                <a:lnTo>
+                  <a:pt x="0" y="5759451"/>
+                </a:lnTo>
+                <a:close/>
+              </a:path>
+            </a:pathLst>
+          </a:custGeom>
+        </p:spPr>
+      </p:pic>
+      <p:graphicFrame>
+        <p:nvGraphicFramePr>
+          <p:cNvPr id="5" name="Content Placeholder 2">
+            <a:extLst>
+              <a:ext uri="{FF2B5EF4-FFF2-40B4-BE49-F238E27FC236}">
+                <a16:creationId xmlns:a16="http://schemas.microsoft.com/office/drawing/2014/main" id="{7D79B775-B0E3-41D7-9749-148EC5F07877}"/>
+              </a:ext>
+            </a:extLst>
+          </p:cNvPr>
+          <p:cNvGraphicFramePr>
+            <a:graphicFrameLocks/>
+          </p:cNvGraphicFramePr>
+          <p:nvPr>
+            <p:extLst>
+              <p:ext uri="{D42A27DB-BD31-4B8C-83A1-F6EECF244321}">
+                <p14:modId xmlns:p14="http://schemas.microsoft.com/office/powerpoint/2010/main" val="407764340"/>
+              </p:ext>
+            </p:extLst>
+          </p:nvPr>
+        </p:nvGraphicFramePr>
+        <p:xfrm>
+          <a:off x="550863" y="2677306"/>
+          <a:ext cx="3565525" cy="3415519"/>
+        </p:xfrm>
+        <a:graphic>
+          <a:graphicData uri="http://schemas.openxmlformats.org/drawingml/2006/diagram">
+            <dgm:relIds xmlns:dgm="http://schemas.openxmlformats.org/drawingml/2006/diagram" xmlns:r="http://schemas.openxmlformats.org/officeDocument/2006/relationships" r:dm="rId3" r:lo="rId4" r:qs="rId5" r:cs="rId6"/>
+          </a:graphicData>
+        </a:graphic>
+      </p:graphicFrame>
+    </p:spTree>
+    <p:extLst>
+      <p:ext uri="{BB962C8B-B14F-4D97-AF65-F5344CB8AC3E}">
+        <p14:creationId xmlns:p14="http://schemas.microsoft.com/office/powerpoint/2010/main" val="3808855960"/>
+      </p:ext>
+    </p:extLst>
+  </p:cSld>
+  <p:clrMapOvr>
+    <a:masterClrMapping/>
+  </p:clrMapOvr>
+</p:sld>
+</file>
+
+<file path=ppt/slides/slide6.xml><?xml version="1.0" encoding="utf-8"?>
+<p:sld xmlns:a="http://schemas.openxmlformats.org/drawingml/2006/main" xmlns:r="http://schemas.openxmlformats.org/officeDocument/2006/relationships" xmlns:p="http://schemas.openxmlformats.org/presentationml/2006/main">
+  <p:cSld>
+    <p:bg>
+      <p:bgPr>
+        <a:solidFill>
+          <a:schemeClr val="bg2"/>
+        </a:solidFill>
+        <a:effectLst/>
+      </p:bgPr>
+    </p:bg>
+    <p:spTree>
+      <p:nvGrpSpPr>
+        <p:cNvPr id="1" name=""/>
+        <p:cNvGrpSpPr/>
+        <p:nvPr/>
+      </p:nvGrpSpPr>
+      <p:grpSpPr>
+        <a:xfrm>
+          <a:off x="0" y="0"/>
+          <a:ext cx="0" cy="0"/>
+          <a:chOff x="0" y="0"/>
+          <a:chExt cx="0" cy="0"/>
+        </a:xfrm>
+      </p:grpSpPr>
       <p:sp>
         <p:nvSpPr>
           <p:cNvPr id="15" name="Freeform: Shape 14">
@@ -14190,254 +17471,7 @@
 </p:sld>
 </file>
 
-<file path=ppt/slides/slide5.xml><?xml version="1.0" encoding="utf-8"?>
-<p:sld xmlns:a="http://schemas.openxmlformats.org/drawingml/2006/main" xmlns:r="http://schemas.openxmlformats.org/officeDocument/2006/relationships" xmlns:p="http://schemas.openxmlformats.org/presentationml/2006/main">
-  <p:cSld>
-    <p:bg>
-      <p:bgPr>
-        <a:solidFill>
-          <a:schemeClr val="bg2"/>
-        </a:solidFill>
-        <a:effectLst/>
-      </p:bgPr>
-    </p:bg>
-    <p:spTree>
-      <p:nvGrpSpPr>
-        <p:cNvPr id="1" name=""/>
-        <p:cNvGrpSpPr/>
-        <p:nvPr/>
-      </p:nvGrpSpPr>
-      <p:grpSpPr>
-        <a:xfrm>
-          <a:off x="0" y="0"/>
-          <a:ext cx="0" cy="0"/>
-          <a:chOff x="0" y="0"/>
-          <a:chExt cx="0" cy="0"/>
-        </a:xfrm>
-      </p:grpSpPr>
-      <p:sp useBgFill="1">
-        <p:nvSpPr>
-          <p:cNvPr id="9" name="Rectangle 8">
-            <a:extLst>
-              <a:ext uri="{FF2B5EF4-FFF2-40B4-BE49-F238E27FC236}">
-                <a16:creationId xmlns:a16="http://schemas.microsoft.com/office/drawing/2014/main" id="{60B7752B-728D-4CA3-8923-C4F7F77029E3}"/>
-              </a:ext>
-              <a:ext uri="{C183D7F6-B498-43B3-948B-1728B52AA6E4}">
-                <adec:decorative xmlns:adec="http://schemas.microsoft.com/office/drawing/2017/decorative" val="1"/>
-              </a:ext>
-            </a:extLst>
-          </p:cNvPr>
-          <p:cNvSpPr>
-            <a:spLocks noGrp="1" noRot="1" noChangeAspect="1" noMove="1" noResize="1" noEditPoints="1" noAdjustHandles="1" noChangeArrowheads="1" noChangeShapeType="1" noTextEdit="1"/>
-          </p:cNvSpPr>
-          <p:nvPr>
-            <p:extLst>
-              <p:ext uri="{386F3935-93C4-4BCD-93E2-E3B085C9AB24}">
-                <p16:designElem xmlns:p16="http://schemas.microsoft.com/office/powerpoint/2015/main" val="1"/>
-              </p:ext>
-            </p:extLst>
-          </p:nvPr>
-        </p:nvSpPr>
-        <p:spPr>
-          <a:xfrm>
-            <a:off x="0" y="0"/>
-            <a:ext cx="12192000" cy="6858000"/>
-          </a:xfrm>
-          <a:prstGeom prst="rect">
-            <a:avLst/>
-          </a:prstGeom>
-          <a:ln w="12700" cap="flat" cmpd="sng" algn="ctr">
-            <a:noFill/>
-            <a:prstDash val="solid"/>
-            <a:miter lim="800000"/>
-          </a:ln>
-          <a:effectLst/>
-          <a:extLst>
-            <a:ext uri="{91240B29-F687-4F45-9708-019B960494DF}">
-              <a14:hiddenLine xmlns:a14="http://schemas.microsoft.com/office/drawing/2010/main" w="12700" cap="flat" cmpd="sng" algn="ctr">
-                <a:solidFill>
-                  <a:schemeClr val="accent1">
-                    <a:shade val="50000"/>
-                  </a:schemeClr>
-                </a:solidFill>
-                <a:prstDash val="solid"/>
-                <a:miter lim="800000"/>
-              </a14:hiddenLine>
-            </a:ext>
-          </a:extLst>
-        </p:spPr>
-        <p:style>
-          <a:lnRef idx="2">
-            <a:schemeClr val="accent1">
-              <a:shade val="50000"/>
-            </a:schemeClr>
-          </a:lnRef>
-          <a:fillRef idx="1">
-            <a:schemeClr val="accent1"/>
-          </a:fillRef>
-          <a:effectRef idx="0">
-            <a:schemeClr val="accent1"/>
-          </a:effectRef>
-          <a:fontRef idx="minor">
-            <a:schemeClr val="lt1"/>
-          </a:fontRef>
-        </p:style>
-        <p:txBody>
-          <a:bodyPr rtlCol="0" anchor="ctr"/>
-          <a:lstStyle/>
-          <a:p>
-            <a:pPr algn="ctr"/>
-            <a:endParaRPr lang="en-US"/>
-          </a:p>
-        </p:txBody>
-      </p:sp>
-      <p:sp>
-        <p:nvSpPr>
-          <p:cNvPr id="2" name="Title 1">
-            <a:extLst>
-              <a:ext uri="{FF2B5EF4-FFF2-40B4-BE49-F238E27FC236}">
-                <a16:creationId xmlns:a16="http://schemas.microsoft.com/office/drawing/2014/main" id="{A6AC3F5A-4B84-4A73-901D-3E5D0EDDDB5E}"/>
-              </a:ext>
-            </a:extLst>
-          </p:cNvPr>
-          <p:cNvSpPr>
-            <a:spLocks noGrp="1"/>
-          </p:cNvSpPr>
-          <p:nvPr>
-            <p:ph type="title"/>
-          </p:nvPr>
-        </p:nvSpPr>
-        <p:spPr>
-          <a:xfrm>
-            <a:off x="550863" y="550800"/>
-            <a:ext cx="7308850" cy="986400"/>
-          </a:xfrm>
-        </p:spPr>
-        <p:txBody>
-          <a:bodyPr wrap="square" anchor="ctr">
-            <a:normAutofit/>
-          </a:bodyPr>
-          <a:lstStyle/>
-          <a:p>
-            <a:r>
-              <a:rPr lang="en-US"/>
-              <a:t>General</a:t>
-            </a:r>
-          </a:p>
-        </p:txBody>
-      </p:sp>
-      <p:sp>
-        <p:nvSpPr>
-          <p:cNvPr id="11" name="Rectangle 10">
-            <a:extLst>
-              <a:ext uri="{FF2B5EF4-FFF2-40B4-BE49-F238E27FC236}">
-                <a16:creationId xmlns:a16="http://schemas.microsoft.com/office/drawing/2014/main" id="{88392DC7-0988-443B-A0D0-E726C7DB622B}"/>
-              </a:ext>
-              <a:ext uri="{C183D7F6-B498-43B3-948B-1728B52AA6E4}">
-                <adec:decorative xmlns:adec="http://schemas.microsoft.com/office/drawing/2017/decorative" val="1"/>
-              </a:ext>
-            </a:extLst>
-          </p:cNvPr>
-          <p:cNvSpPr>
-            <a:spLocks noGrp="1" noRot="1" noChangeAspect="1" noMove="1" noResize="1" noEditPoints="1" noAdjustHandles="1" noChangeArrowheads="1" noChangeShapeType="1" noTextEdit="1"/>
-          </p:cNvSpPr>
-          <p:nvPr>
-            <p:extLst>
-              <p:ext uri="{386F3935-93C4-4BCD-93E2-E3B085C9AB24}">
-                <p16:designElem xmlns:p16="http://schemas.microsoft.com/office/powerpoint/2015/main" val="1"/>
-              </p:ext>
-            </p:extLst>
-          </p:nvPr>
-        </p:nvSpPr>
-        <p:spPr>
-          <a:xfrm>
-            <a:off x="0" y="2083435"/>
-            <a:ext cx="12192000" cy="4774564"/>
-          </a:xfrm>
-          <a:prstGeom prst="rect">
-            <a:avLst/>
-          </a:prstGeom>
-          <a:solidFill>
-            <a:schemeClr val="bg2">
-              <a:lumMod val="10000"/>
-              <a:lumOff val="90000"/>
-              <a:alpha val="5000"/>
-            </a:schemeClr>
-          </a:solidFill>
-          <a:ln>
-            <a:noFill/>
-          </a:ln>
-        </p:spPr>
-        <p:style>
-          <a:lnRef idx="2">
-            <a:schemeClr val="accent1">
-              <a:shade val="50000"/>
-            </a:schemeClr>
-          </a:lnRef>
-          <a:fillRef idx="1">
-            <a:schemeClr val="accent1"/>
-          </a:fillRef>
-          <a:effectRef idx="0">
-            <a:schemeClr val="accent1"/>
-          </a:effectRef>
-          <a:fontRef idx="minor">
-            <a:schemeClr val="lt1"/>
-          </a:fontRef>
-        </p:style>
-        <p:txBody>
-          <a:bodyPr rtlCol="0" anchor="ctr"/>
-          <a:lstStyle/>
-          <a:p>
-            <a:pPr algn="ctr"/>
-            <a:endParaRPr lang="en-US"/>
-          </a:p>
-        </p:txBody>
-      </p:sp>
-      <p:graphicFrame>
-        <p:nvGraphicFramePr>
-          <p:cNvPr id="5" name="Content Placeholder 2">
-            <a:extLst>
-              <a:ext uri="{FF2B5EF4-FFF2-40B4-BE49-F238E27FC236}">
-                <a16:creationId xmlns:a16="http://schemas.microsoft.com/office/drawing/2014/main" id="{463B5A6E-4FF7-4CFC-A1F3-B79A86810CDE}"/>
-              </a:ext>
-            </a:extLst>
-          </p:cNvPr>
-          <p:cNvGraphicFramePr>
-            <a:graphicFrameLocks noGrp="1"/>
-          </p:cNvGraphicFramePr>
-          <p:nvPr>
-            <p:ph idx="1"/>
-            <p:extLst>
-              <p:ext uri="{D42A27DB-BD31-4B8C-83A1-F6EECF244321}">
-                <p14:modId xmlns:p14="http://schemas.microsoft.com/office/powerpoint/2010/main" val="1863427820"/>
-              </p:ext>
-            </p:extLst>
-          </p:nvPr>
-        </p:nvGraphicFramePr>
-        <p:xfrm>
-          <a:off x="550863" y="2624135"/>
-          <a:ext cx="11090276" cy="3468690"/>
-        </p:xfrm>
-        <a:graphic>
-          <a:graphicData uri="http://schemas.openxmlformats.org/drawingml/2006/diagram">
-            <dgm:relIds xmlns:dgm="http://schemas.openxmlformats.org/drawingml/2006/diagram" xmlns:r="http://schemas.openxmlformats.org/officeDocument/2006/relationships" r:dm="rId2" r:lo="rId3" r:qs="rId4" r:cs="rId5"/>
-          </a:graphicData>
-        </a:graphic>
-      </p:graphicFrame>
-    </p:spTree>
-    <p:extLst>
-      <p:ext uri="{BB962C8B-B14F-4D97-AF65-F5344CB8AC3E}">
-        <p14:creationId xmlns:p14="http://schemas.microsoft.com/office/powerpoint/2010/main" val="4004544511"/>
-      </p:ext>
-    </p:extLst>
-  </p:cSld>
-  <p:clrMapOvr>
-    <a:masterClrMapping/>
-  </p:clrMapOvr>
-</p:sld>
-</file>
-
-<file path=ppt/slides/slide6.xml><?xml version="1.0" encoding="utf-8"?>
+<file path=ppt/slides/slide7.xml><?xml version="1.0" encoding="utf-8"?>
 <p:sld xmlns:a="http://schemas.openxmlformats.org/drawingml/2006/main" xmlns:r="http://schemas.openxmlformats.org/officeDocument/2006/relationships" xmlns:p="http://schemas.openxmlformats.org/presentationml/2006/main">
   <p:cSld>
     <p:bg>
